--- a/xmind/刷题指南.pptx
+++ b/xmind/刷题指南.pptx
@@ -11,6 +11,7 @@
     <p:sldId id="256" r:id="rId3"/>
     <p:sldId id="258" r:id="rId5"/>
     <p:sldId id="259" r:id="rId6"/>
+    <p:sldId id="260" r:id="rId7"/>
   </p:sldIdLst>
   <p:sldSz cx="12192000" cy="6858000"/>
   <p:notesSz cx="6858000" cy="9144000"/>
@@ -3369,8 +3370,8 @@
         </p:nvSpPr>
         <p:spPr>
           <a:xfrm>
-            <a:off x="885706" y="1717976"/>
-            <a:ext cx="2879725" cy="1568450"/>
+            <a:off x="1010920" y="3139440"/>
+            <a:ext cx="7816850" cy="1476375"/>
           </a:xfrm>
           <a:prstGeom prst="rect">
             <a:avLst/>
@@ -3378,86 +3379,121 @@
           <a:noFill/>
         </p:spPr>
         <p:txBody>
-          <a:bodyPr wrap="none" rtlCol="0">
+          <a:bodyPr wrap="square" rtlCol="0">
             <a:spAutoFit/>
           </a:bodyPr>
           <a:lstStyle/>
           <a:p>
             <a:pPr algn="l"/>
             <a:r>
-              <a:rPr kumimoji="1" lang="en-US" altLang="zh-CN" sz="2400" dirty="0"/>
+              <a:rPr kumimoji="1" lang="en-US" altLang="zh-CN" dirty="0"/>
               <a:t>1. </a:t>
             </a:r>
             <a:r>
-              <a:rPr kumimoji="1" lang="zh-CN" altLang="en-US" sz="2400" dirty="0"/>
+              <a:rPr kumimoji="1" lang="zh-CN" altLang="en-US" dirty="0"/>
               <a:t>剑指</a:t>
             </a:r>
             <a:r>
-              <a:rPr kumimoji="1" lang="en-US" altLang="zh-CN" sz="2400" dirty="0"/>
+              <a:rPr kumimoji="1" lang="en-US" altLang="zh-CN" dirty="0"/>
               <a:t> Offer</a:t>
             </a:r>
             <a:r>
-              <a:rPr kumimoji="1" lang="zh-CN" altLang="en-US" sz="2400" dirty="0"/>
+              <a:rPr kumimoji="1" lang="zh-CN" altLang="en-US" dirty="0"/>
               <a:t> </a:t>
             </a:r>
             <a:r>
-              <a:rPr kumimoji="1" lang="en-US" altLang="zh-CN" sz="2400" dirty="0"/>
+              <a:rPr kumimoji="1" lang="en-US" altLang="zh-CN" dirty="0"/>
               <a:t>I</a:t>
             </a:r>
             <a:r>
-              <a:rPr kumimoji="1" lang="zh-CN" altLang="en-US" sz="2400" dirty="0"/>
+              <a:rPr kumimoji="1" lang="zh-CN" altLang="en-US" dirty="0"/>
               <a:t> </a:t>
             </a:r>
             <a:r>
-              <a:rPr kumimoji="1" lang="en-US" altLang="zh-CN" sz="2400" dirty="0"/>
-              <a:t>&amp; II</a:t>
+              <a:rPr kumimoji="1" lang="en-US" altLang="zh-CN" dirty="0"/>
+              <a:t>&amp; II </a:t>
+            </a:r>
+            <a:r>
+              <a:rPr kumimoji="1" lang="zh-CN" altLang="en-US" dirty="0"/>
+              <a:t>一个月</a:t>
             </a:r>
             <a:br>
-              <a:rPr kumimoji="1" lang="en-US" altLang="zh-CN" sz="2400" dirty="0"/>
+              <a:rPr kumimoji="1" lang="en-US" altLang="zh-CN" dirty="0"/>
             </a:br>
             <a:r>
-              <a:rPr kumimoji="1" lang="en-US" altLang="zh-CN" sz="2400" dirty="0"/>
-              <a:t>2. Hot100</a:t>
-            </a:r>
-            <a:br>
-              <a:rPr kumimoji="1" lang="en-US" altLang="zh-CN" sz="2400" dirty="0"/>
-            </a:br>
-            <a:r>
-              <a:rPr kumimoji="1" lang="en-US" altLang="zh-CN" sz="2400" dirty="0"/>
-              <a:t>3. </a:t>
-            </a:r>
-            <a:r>
-              <a:rPr kumimoji="1" lang="zh-CN" altLang="en-US" sz="2400" dirty="0"/>
-              <a:t>前</a:t>
-            </a:r>
-            <a:r>
-              <a:rPr kumimoji="1" lang="en-US" altLang="zh-CN" sz="2400" dirty="0"/>
-              <a:t>200</a:t>
-            </a:r>
-            <a:r>
-              <a:rPr kumimoji="1" lang="zh-CN" altLang="en-US" sz="2400" dirty="0"/>
-              <a:t>题</a:t>
-            </a:r>
-            <a:br>
-              <a:rPr kumimoji="1" lang="zh-CN" altLang="en-US" sz="2400" dirty="0"/>
-            </a:br>
-            <a:r>
-              <a:rPr kumimoji="1" lang="en-US" altLang="zh-CN" sz="2400" dirty="0"/>
-              <a:t>4. </a:t>
-            </a:r>
-            <a:r>
-              <a:rPr kumimoji="1" lang="zh-CN" altLang="en-US" sz="2400" dirty="0">
+              <a:rPr kumimoji="1" lang="en-US" altLang="zh-CN" dirty="0"/>
+              <a:t>2. Hot100          </a:t>
+            </a:r>
+            <a:r>
+              <a:rPr kumimoji="1" lang="zh-CN" altLang="en-US" dirty="0">
                 <a:sym typeface="+mn-ea"/>
               </a:rPr>
-              <a:t>按基本的算法</a:t>
-            </a:r>
-            <a:r>
-              <a:rPr kumimoji="1" lang="en-US" altLang="zh-CN" sz="2400" dirty="0">
+              <a:t>一个月</a:t>
+            </a:r>
+            <a:br>
+              <a:rPr kumimoji="1" lang="en-US" altLang="zh-CN" dirty="0"/>
+            </a:br>
+            <a:r>
+              <a:rPr kumimoji="1" lang="en-US" altLang="zh-CN" dirty="0"/>
+              <a:t>3. </a:t>
+            </a:r>
+            <a:r>
+              <a:rPr kumimoji="1" lang="zh-CN" altLang="en-US" dirty="0">
                 <a:sym typeface="+mn-ea"/>
               </a:rPr>
-              <a:t>tag</a:t>
-            </a:r>
-            <a:endParaRPr kumimoji="1" lang="en-US" altLang="zh-CN" sz="2400" dirty="0"/>
+              <a:t>力扣</a:t>
+            </a:r>
+            <a:r>
+              <a:rPr kumimoji="1" lang="zh-CN" altLang="en-US" dirty="0"/>
+              <a:t>前</a:t>
+            </a:r>
+            <a:r>
+              <a:rPr kumimoji="1" lang="en-US" altLang="zh-CN" dirty="0"/>
+              <a:t>200</a:t>
+            </a:r>
+            <a:r>
+              <a:rPr kumimoji="1" lang="zh-CN" altLang="en-US" dirty="0"/>
+              <a:t>题</a:t>
+            </a:r>
+            <a:r>
+              <a:rPr kumimoji="1" lang="en-US" altLang="zh-CN" dirty="0"/>
+              <a:t>         </a:t>
+            </a:r>
+            <a:r>
+              <a:rPr kumimoji="1" lang="zh-CN" altLang="en-US" dirty="0"/>
+              <a:t>两个</a:t>
+            </a:r>
+            <a:r>
+              <a:rPr kumimoji="1" lang="zh-CN" altLang="en-US" dirty="0">
+                <a:sym typeface="+mn-ea"/>
+              </a:rPr>
+              <a:t>个月</a:t>
+            </a:r>
+            <a:br>
+              <a:rPr kumimoji="1" lang="zh-CN" altLang="en-US" dirty="0">
+                <a:sym typeface="+mn-ea"/>
+              </a:rPr>
+            </a:br>
+            <a:br>
+              <a:rPr kumimoji="1" lang="zh-CN" altLang="en-US" dirty="0">
+                <a:sym typeface="+mn-ea"/>
+              </a:rPr>
+            </a:br>
+            <a:r>
+              <a:rPr kumimoji="1" lang="zh-CN" altLang="en-US" dirty="0">
+                <a:sym typeface="+mn-ea"/>
+              </a:rPr>
+              <a:t>里面会有一定的重复题目，可以</a:t>
+            </a:r>
+            <a:r>
+              <a:rPr kumimoji="1" lang="zh-CN" altLang="en-US" dirty="0">
+                <a:sym typeface="+mn-ea"/>
+              </a:rPr>
+              <a:t>多做几遍</a:t>
+            </a:r>
+            <a:endParaRPr kumimoji="1" lang="zh-CN" altLang="en-US" dirty="0">
+              <a:sym typeface="+mn-ea"/>
+            </a:endParaRPr>
           </a:p>
         </p:txBody>
       </p:sp>
@@ -3469,8 +3505,8 @@
         </p:nvSpPr>
         <p:spPr>
           <a:xfrm>
-            <a:off x="927347" y="1090812"/>
-            <a:ext cx="1107996" cy="646331"/>
+            <a:off x="927347" y="2425582"/>
+            <a:ext cx="894080" cy="521970"/>
           </a:xfrm>
           <a:prstGeom prst="rect">
             <a:avLst/>
@@ -3484,10 +3520,10 @@
           <a:lstStyle/>
           <a:p>
             <a:r>
-              <a:rPr kumimoji="1" lang="zh-CN" altLang="en-US" sz="3600" dirty="0"/>
+              <a:rPr kumimoji="1" lang="zh-CN" altLang="en-US" sz="2800" dirty="0"/>
               <a:t>题目</a:t>
             </a:r>
-            <a:endParaRPr kumimoji="1" lang="zh-CN" altLang="en-US" sz="3600" dirty="0"/>
+            <a:endParaRPr kumimoji="1" lang="zh-CN" altLang="en-US" sz="2800" dirty="0"/>
           </a:p>
         </p:txBody>
       </p:sp>
@@ -3499,7 +3535,7 @@
         </p:nvSpPr>
         <p:spPr>
           <a:xfrm>
-            <a:off x="5741946" y="3429000"/>
+            <a:off x="5741946" y="3966210"/>
             <a:ext cx="184731" cy="830997"/>
           </a:xfrm>
           <a:prstGeom prst="rect">
@@ -3522,14 +3558,14 @@
       </p:sp>
       <p:sp>
         <p:nvSpPr>
-          <p:cNvPr id="9" name="文本框 8"/>
+          <p:cNvPr id="10" name="文本框 9"/>
           <p:cNvSpPr txBox="1"/>
           <p:nvPr/>
         </p:nvSpPr>
         <p:spPr>
           <a:xfrm>
-            <a:off x="5421893" y="872890"/>
-            <a:ext cx="2031325" cy="646331"/>
+            <a:off x="5421893" y="2077038"/>
+            <a:ext cx="309880" cy="583565"/>
           </a:xfrm>
           <a:prstGeom prst="rect">
             <a:avLst/>
@@ -3542,121 +3578,7 @@
           </a:bodyPr>
           <a:lstStyle/>
           <a:p>
-            <a:r>
-              <a:rPr kumimoji="1" lang="zh-CN" altLang="en-US" sz="3600" dirty="0"/>
-              <a:t>学习资料</a:t>
-            </a:r>
-            <a:endParaRPr kumimoji="1" lang="zh-CN" altLang="en-US" sz="3600" dirty="0"/>
-          </a:p>
-        </p:txBody>
-      </p:sp>
-      <p:sp>
-        <p:nvSpPr>
-          <p:cNvPr id="10" name="文本框 9"/>
-          <p:cNvSpPr txBox="1"/>
-          <p:nvPr/>
-        </p:nvSpPr>
-        <p:spPr>
-          <a:xfrm>
-            <a:off x="5421893" y="1539828"/>
-            <a:ext cx="6596380" cy="2614930"/>
-          </a:xfrm>
-          <a:prstGeom prst="rect">
-            <a:avLst/>
-          </a:prstGeom>
-          <a:noFill/>
-        </p:spPr>
-        <p:txBody>
-          <a:bodyPr wrap="none" rtlCol="0">
-            <a:spAutoFit/>
-          </a:bodyPr>
-          <a:lstStyle/>
-          <a:p>
             <a:pPr algn="l"/>
-            <a:r>
-              <a:rPr kumimoji="1" lang="zh-CN" altLang="en-US" sz="2000" dirty="0">
-                <a:hlinkClick r:id="rId1"/>
-              </a:rPr>
-              <a:t>拉不拉东</a:t>
-            </a:r>
-            <a:r>
-              <a:rPr kumimoji="1" lang="en-US" altLang="zh-CN" sz="2000" dirty="0"/>
-              <a:t> </a:t>
-            </a:r>
-            <a:br>
-              <a:rPr kumimoji="1" lang="en-US" altLang="zh-CN" sz="2000" dirty="0"/>
-            </a:br>
-            <a:r>
-              <a:rPr kumimoji="1" lang="en-US" altLang="zh-CN" sz="1600" dirty="0"/>
-              <a:t>https://labuladong.github.io/algo/di-ling-zh-bfe1b/xue-xi-sua-01220/</a:t>
-            </a:r>
-            <a:br>
-              <a:rPr kumimoji="1" lang="en-US" altLang="zh-CN" sz="1400" dirty="0"/>
-            </a:br>
-            <a:r>
-              <a:rPr kumimoji="1" lang="zh-CN" altLang="en-US" sz="2000" dirty="0"/>
-              <a:t>讲题 </a:t>
-            </a:r>
-            <a:r>
-              <a:rPr kumimoji="1" lang="zh-CN" altLang="en-US" sz="2000" dirty="0">
-                <a:hlinkClick r:id="rId2"/>
-              </a:rPr>
-              <a:t>贾考博</a:t>
-            </a:r>
-            <a:br>
-              <a:rPr kumimoji="1" lang="zh-CN" altLang="en-US" sz="2000" dirty="0"/>
-            </a:br>
-            <a:r>
-              <a:rPr kumimoji="1" lang="zh-CN" altLang="en-US" sz="2000" dirty="0">
-                <a:sym typeface="+mn-ea"/>
-                <a:hlinkClick r:id="rId3"/>
-              </a:rPr>
-              <a:t>算法基础课</a:t>
-            </a:r>
-            <a:br>
-              <a:rPr kumimoji="1" lang="zh-CN" altLang="en-US" sz="2000" dirty="0">
-                <a:sym typeface="+mn-ea"/>
-              </a:rPr>
-            </a:br>
-            <a:br>
-              <a:rPr kumimoji="1" lang="zh-CN" altLang="en-US" sz="2000" dirty="0">
-                <a:sym typeface="+mn-ea"/>
-              </a:rPr>
-            </a:br>
-            <a:r>
-              <a:rPr kumimoji="1" lang="zh-CN" altLang="en-US" sz="2000" dirty="0">
-                <a:sym typeface="+mn-ea"/>
-              </a:rPr>
-              <a:t>高质量题解：</a:t>
-            </a:r>
-            <a:r>
-              <a:rPr kumimoji="1" lang="en-US" altLang="zh-CN" sz="2000" dirty="0">
-                <a:sym typeface="+mn-ea"/>
-              </a:rPr>
-              <a:t> </a:t>
-            </a:r>
-            <a:br>
-              <a:rPr kumimoji="1" lang="en-US" altLang="zh-CN" sz="2000" dirty="0">
-                <a:sym typeface="+mn-ea"/>
-              </a:rPr>
-            </a:br>
-            <a:r>
-              <a:rPr kumimoji="1" lang="en-US" altLang="zh-CN" sz="1600" dirty="0">
-                <a:sym typeface="+mn-ea"/>
-              </a:rPr>
-              <a:t>https://github.com/wisdompeak/LeetCode</a:t>
-            </a:r>
-            <a:br>
-              <a:rPr kumimoji="1" lang="en-US" altLang="zh-CN" sz="1600" dirty="0">
-                <a:sym typeface="+mn-ea"/>
-              </a:rPr>
-            </a:br>
-            <a:r>
-              <a:rPr kumimoji="1" lang="en-US" altLang="zh-CN" sz="1600" dirty="0">
-                <a:sym typeface="+mn-ea"/>
-              </a:rPr>
-              <a:t>https://github.com/EndlessCheng/codeforces-go</a:t>
-            </a:r>
             <a:br>
               <a:rPr kumimoji="1" lang="en-US" altLang="zh-CN" sz="1600" dirty="0">
                 <a:sym typeface="+mn-ea"/>
@@ -3676,8 +3598,8 @@
         </p:nvSpPr>
         <p:spPr>
           <a:xfrm>
-            <a:off x="927100" y="4154805"/>
-            <a:ext cx="10907395" cy="1568450"/>
+            <a:off x="927100" y="5417820"/>
+            <a:ext cx="10907395" cy="706755"/>
           </a:xfrm>
           <a:prstGeom prst="rect">
             <a:avLst/>
@@ -3691,29 +3613,29 @@
           <a:lstStyle/>
           <a:p>
             <a:r>
-              <a:rPr kumimoji="1" lang="en-US" altLang="zh-CN" sz="2400" dirty="0"/>
+              <a:rPr kumimoji="1" lang="en-US" altLang="zh-CN" sz="2000" dirty="0"/>
               <a:t>1.</a:t>
             </a:r>
             <a:r>
-              <a:rPr kumimoji="1" lang="zh-CN" altLang="en-US" sz="2400" dirty="0"/>
+              <a:rPr kumimoji="1" lang="zh-CN" altLang="en-US" sz="2000" dirty="0"/>
               <a:t> 掌握基本数据结构，掌握基本算法时空复杂度，能够根据题意和数据规模选择相应算法</a:t>
             </a:r>
             <a:br>
-              <a:rPr kumimoji="1" lang="en-US" altLang="zh-CN" sz="2400" dirty="0"/>
+              <a:rPr kumimoji="1" lang="en-US" altLang="zh-CN" sz="2000" dirty="0"/>
             </a:br>
             <a:r>
-              <a:rPr kumimoji="1" lang="en-US" altLang="zh-CN" sz="2400" dirty="0"/>
+              <a:rPr kumimoji="1" lang="en-US" altLang="zh-CN" sz="2000" dirty="0"/>
               <a:t>2.</a:t>
             </a:r>
             <a:r>
-              <a:rPr kumimoji="1" lang="zh-CN" altLang="en-US" sz="2400" dirty="0"/>
+              <a:rPr kumimoji="1" lang="zh-CN" altLang="en-US" sz="2000" dirty="0"/>
               <a:t> 具有一定的观察数据规律能力，数学归纳能力，模拟题意的编码能力，以及基本的优化</a:t>
             </a:r>
             <a:r>
-              <a:rPr kumimoji="1" lang="zh-CN" altLang="en-US" sz="2400" dirty="0"/>
+              <a:rPr kumimoji="1" lang="zh-CN" altLang="en-US" sz="2000" dirty="0"/>
               <a:t>能力</a:t>
             </a:r>
-            <a:endParaRPr kumimoji="1" lang="zh-CN" altLang="en-US" sz="2400" dirty="0"/>
+            <a:endParaRPr kumimoji="1" lang="zh-CN" altLang="en-US" sz="2000" dirty="0"/>
           </a:p>
         </p:txBody>
       </p:sp>
@@ -3725,8 +3647,8 @@
         </p:nvSpPr>
         <p:spPr>
           <a:xfrm>
-            <a:off x="923416" y="3613666"/>
-            <a:ext cx="1107996" cy="646331"/>
+            <a:off x="927226" y="4783971"/>
+            <a:ext cx="894080" cy="521970"/>
           </a:xfrm>
           <a:prstGeom prst="rect">
             <a:avLst/>
@@ -3740,10 +3662,10 @@
           <a:lstStyle/>
           <a:p>
             <a:r>
-              <a:rPr kumimoji="1" lang="zh-CN" altLang="en-US" sz="3600" dirty="0"/>
+              <a:rPr kumimoji="1" lang="zh-CN" altLang="en-US" sz="2800" dirty="0"/>
               <a:t>能力</a:t>
             </a:r>
-            <a:endParaRPr kumimoji="1" lang="zh-CN" altLang="en-US" sz="3600" dirty="0"/>
+            <a:endParaRPr kumimoji="1" lang="zh-CN" altLang="en-US" sz="2800" dirty="0"/>
           </a:p>
         </p:txBody>
       </p:sp>
@@ -3774,6 +3696,248 @@
               <a:t>算法基础</a:t>
             </a:r>
             <a:endParaRPr kumimoji="1" lang="zh-CN" altLang="en-US" sz="4400" dirty="0"/>
+          </a:p>
+        </p:txBody>
+      </p:sp>
+      <p:sp>
+        <p:nvSpPr>
+          <p:cNvPr id="7" name="文本框 6"/>
+          <p:cNvSpPr txBox="1"/>
+          <p:nvPr/>
+        </p:nvSpPr>
+        <p:spPr>
+          <a:xfrm>
+            <a:off x="927100" y="860425"/>
+            <a:ext cx="10807065" cy="1476375"/>
+          </a:xfrm>
+          <a:prstGeom prst="rect">
+            <a:avLst/>
+          </a:prstGeom>
+          <a:noFill/>
+        </p:spPr>
+        <p:txBody>
+          <a:bodyPr wrap="square" rtlCol="0">
+            <a:spAutoFit/>
+          </a:bodyPr>
+          <a:p>
+            <a:r>
+              <a:rPr lang="en-US" altLang="zh-CN"/>
+              <a:t>该阶段主要是打基础，快速过一遍最最基础的数据结构和算法，</a:t>
+            </a:r>
+            <a:r>
+              <a:rPr lang="en-US" altLang="zh-CN">
+                <a:solidFill>
+                  <a:srgbClr val="FF0000"/>
+                </a:solidFill>
+              </a:rPr>
+              <a:t>一定要看最标准的解法</a:t>
+            </a:r>
+            <a:r>
+              <a:rPr lang="zh-CN" altLang="en-US">
+                <a:solidFill>
+                  <a:srgbClr val="FF0000"/>
+                </a:solidFill>
+              </a:rPr>
+              <a:t>和套路，养成自己的标准和编码习惯</a:t>
+            </a:r>
+            <a:r>
+              <a:rPr lang="zh-CN" altLang="en-US"/>
+              <a:t>，可以看书</a:t>
+            </a:r>
+            <a:r>
+              <a:rPr lang="en-US" altLang="zh-CN"/>
+              <a:t> </a:t>
+            </a:r>
+            <a:r>
+              <a:rPr lang="zh-CN" altLang="en-US"/>
+              <a:t>看答案</a:t>
+            </a:r>
+            <a:r>
+              <a:rPr lang="en-US" altLang="zh-CN"/>
+              <a:t> </a:t>
+            </a:r>
+            <a:r>
+              <a:rPr lang="zh-CN" altLang="en-US"/>
+              <a:t>看题解</a:t>
+            </a:r>
+            <a:r>
+              <a:rPr lang="en-US" altLang="zh-CN"/>
+              <a:t> </a:t>
+            </a:r>
+            <a:br>
+              <a:rPr lang="zh-CN" altLang="en-US"/>
+            </a:br>
+            <a:r>
+              <a:rPr lang="zh-CN" altLang="en-US" b="1"/>
+              <a:t>数据结构</a:t>
+            </a:r>
+            <a:r>
+              <a:rPr lang="en-US" altLang="zh-CN"/>
+              <a:t> </a:t>
+            </a:r>
+            <a:r>
+              <a:rPr lang="zh-CN" altLang="en-US"/>
+              <a:t>数组</a:t>
+            </a:r>
+            <a:r>
+              <a:rPr lang="en-US" altLang="zh-CN"/>
+              <a:t> </a:t>
+            </a:r>
+            <a:r>
+              <a:rPr lang="zh-CN" altLang="en-US"/>
+              <a:t>链表</a:t>
+            </a:r>
+            <a:r>
+              <a:rPr lang="en-US" altLang="zh-CN"/>
+              <a:t> </a:t>
+            </a:r>
+            <a:r>
+              <a:rPr lang="zh-CN" altLang="en-US"/>
+              <a:t>队列</a:t>
+            </a:r>
+            <a:r>
+              <a:rPr lang="en-US" altLang="zh-CN"/>
+              <a:t> </a:t>
+            </a:r>
+            <a:r>
+              <a:rPr lang="zh-CN" altLang="en-US"/>
+              <a:t>栈</a:t>
+            </a:r>
+            <a:r>
+              <a:rPr lang="en-US" altLang="zh-CN"/>
+              <a:t>  Hash </a:t>
+            </a:r>
+            <a:r>
+              <a:rPr lang="zh-CN" altLang="en-US"/>
+              <a:t>字符串</a:t>
+            </a:r>
+            <a:r>
+              <a:rPr lang="en-US" altLang="zh-CN"/>
+              <a:t> </a:t>
+            </a:r>
+            <a:r>
+              <a:rPr lang="zh-CN" altLang="en-US"/>
+              <a:t>树</a:t>
+            </a:r>
+            <a:r>
+              <a:rPr lang="en-US" altLang="zh-CN"/>
+              <a:t> </a:t>
+            </a:r>
+            <a:r>
+              <a:rPr lang="zh-CN" altLang="en-US"/>
+              <a:t>堆</a:t>
+            </a:r>
+            <a:r>
+              <a:rPr lang="en-US" altLang="zh-CN"/>
+              <a:t> </a:t>
+            </a:r>
+            <a:r>
+              <a:rPr lang="zh-CN" altLang="en-US"/>
+              <a:t>图（可选）</a:t>
+            </a:r>
+            <a:r>
+              <a:rPr lang="en-US" altLang="zh-CN"/>
+              <a:t> Trie</a:t>
+            </a:r>
+            <a:r>
+              <a:rPr lang="zh-CN" altLang="en-US"/>
+              <a:t>（可选）</a:t>
+            </a:r>
+            <a:br>
+              <a:rPr lang="zh-CN" altLang="en-US"/>
+            </a:br>
+            <a:r>
+              <a:rPr lang="zh-CN" altLang="en-US" b="1"/>
+              <a:t>算法</a:t>
+            </a:r>
+            <a:r>
+              <a:rPr lang="zh-CN" altLang="en-US"/>
+              <a:t>：二分</a:t>
+            </a:r>
+            <a:r>
+              <a:rPr lang="en-US" altLang="zh-CN"/>
+              <a:t> </a:t>
+            </a:r>
+            <a:r>
+              <a:rPr lang="zh-CN" altLang="en-US"/>
+              <a:t>回溯</a:t>
+            </a:r>
+            <a:r>
+              <a:rPr lang="en-US" altLang="zh-CN"/>
+              <a:t> </a:t>
+            </a:r>
+            <a:r>
+              <a:rPr lang="zh-CN" altLang="en-US"/>
+              <a:t>贪心</a:t>
+            </a:r>
+            <a:r>
+              <a:rPr lang="en-US" altLang="zh-CN"/>
+              <a:t> </a:t>
+            </a:r>
+            <a:r>
+              <a:rPr lang="zh-CN" altLang="en-US"/>
+              <a:t>动态规划</a:t>
+            </a:r>
+            <a:r>
+              <a:rPr lang="en-US" altLang="zh-CN"/>
+              <a:t> </a:t>
+            </a:r>
+            <a:r>
+              <a:rPr lang="zh-CN" altLang="en-US"/>
+              <a:t>分治</a:t>
+            </a:r>
+            <a:r>
+              <a:rPr lang="en-US" altLang="zh-CN"/>
+              <a:t> </a:t>
+            </a:r>
+            <a:r>
+              <a:rPr lang="zh-CN" altLang="en-US"/>
+              <a:t>排序</a:t>
+            </a:r>
+            <a:r>
+              <a:rPr lang="en-US" altLang="zh-CN"/>
+              <a:t>  </a:t>
+            </a:r>
+            <a:r>
+              <a:rPr lang="zh-CN" altLang="en-US"/>
+              <a:t>深搜</a:t>
+            </a:r>
+            <a:r>
+              <a:rPr lang="en-US" altLang="zh-CN"/>
+              <a:t> </a:t>
+            </a:r>
+            <a:r>
+              <a:rPr lang="zh-CN" altLang="en-US"/>
+              <a:t>广搜</a:t>
+            </a:r>
+            <a:r>
+              <a:rPr lang="en-US" altLang="zh-CN"/>
+              <a:t> </a:t>
+            </a:r>
+            <a:br>
+              <a:rPr lang="zh-CN" altLang="en-US"/>
+            </a:br>
+            <a:r>
+              <a:rPr lang="zh-CN" altLang="en-US" b="1"/>
+              <a:t>算法技巧：</a:t>
+            </a:r>
+            <a:r>
+              <a:rPr lang="zh-CN" altLang="en-US"/>
+              <a:t>前缀和</a:t>
+            </a:r>
+            <a:r>
+              <a:rPr lang="en-US" altLang="zh-CN"/>
+              <a:t> </a:t>
+            </a:r>
+            <a:r>
+              <a:rPr lang="zh-CN" altLang="en-US"/>
+              <a:t>双</a:t>
+            </a:r>
+            <a:r>
+              <a:rPr lang="zh-CN" altLang="en-US"/>
+              <a:t>指针</a:t>
+            </a:r>
+            <a:endParaRPr lang="zh-CN" altLang="en-US"/>
           </a:p>
         </p:txBody>
       </p:sp>
@@ -3810,8 +3974,8 @@
         </p:nvSpPr>
         <p:spPr>
           <a:xfrm>
-            <a:off x="885825" y="1717675"/>
-            <a:ext cx="8094980" cy="1814830"/>
+            <a:off x="711200" y="1656715"/>
+            <a:ext cx="10987405" cy="2183765"/>
           </a:xfrm>
           <a:prstGeom prst="rect">
             <a:avLst/>
@@ -3825,103 +3989,112 @@
           <a:lstStyle/>
           <a:p>
             <a:r>
-              <a:rPr kumimoji="1" lang="en-US" altLang="zh-CN" sz="2400" dirty="0"/>
+              <a:rPr kumimoji="1" lang="zh-CN" altLang="en-US" sz="3600" dirty="0"/>
+              <a:t>题目</a:t>
+            </a:r>
+            <a:br>
+              <a:rPr kumimoji="1" lang="zh-CN" altLang="en-US" sz="2000" dirty="0"/>
+            </a:br>
+            <a:r>
+              <a:rPr kumimoji="1" lang="en-US" altLang="zh-CN" sz="2000" dirty="0">
+                <a:sym typeface="+mn-ea"/>
+              </a:rPr>
               <a:t>1.</a:t>
             </a:r>
             <a:r>
-              <a:rPr kumimoji="1" lang="zh-CN" altLang="en-US" sz="2400" dirty="0"/>
-              <a:t> 前</a:t>
-            </a:r>
-            <a:r>
-              <a:rPr kumimoji="1" lang="en-US" altLang="zh-CN" sz="2400" dirty="0"/>
-              <a:t>750</a:t>
-            </a:r>
-            <a:r>
-              <a:rPr kumimoji="1" lang="zh-CN" altLang="en-US" sz="2400" dirty="0"/>
-              <a:t>题：</a:t>
-            </a:r>
-            <a:r>
-              <a:rPr kumimoji="1" lang="zh-CN" altLang="en-US" sz="1600" dirty="0"/>
-              <a:t>https://space.bilibili.com/149758/video?tid=0&amp;pn=2&amp;keyword=&amp;order=pubdate</a:t>
-            </a:r>
-            <a:endParaRPr kumimoji="1" lang="zh-CN" altLang="en-US" dirty="0"/>
-          </a:p>
-          <a:p>
-            <a:r>
-              <a:rPr kumimoji="1" lang="en-US" altLang="zh-CN" sz="2400" dirty="0"/>
-              <a:t>2. </a:t>
-            </a:r>
-            <a:r>
-              <a:rPr kumimoji="1" lang="zh-CN" altLang="en-US" sz="2400" dirty="0"/>
+              <a:rPr kumimoji="1" lang="zh-CN" altLang="en-US" sz="2000" dirty="0">
+                <a:sym typeface="+mn-ea"/>
+              </a:rPr>
               <a:t>按周赛难度分做</a:t>
             </a:r>
             <a:r>
-              <a:rPr kumimoji="1" lang="en-US" altLang="zh-CN" sz="2400" dirty="0"/>
+              <a:rPr kumimoji="1" lang="en-US" altLang="zh-CN" sz="2000" dirty="0">
+                <a:sym typeface="+mn-ea"/>
+              </a:rPr>
               <a:t>:</a:t>
             </a:r>
             <a:r>
-              <a:rPr kumimoji="1" lang="zh-CN" altLang="en-US" sz="2400" dirty="0"/>
-              <a:t> </a:t>
-            </a:r>
-            <a:r>
-              <a:rPr kumimoji="1" lang="zh-CN" altLang="en-US" sz="2400" dirty="0">
+              <a:rPr kumimoji="1" lang="zh-CN" altLang="en-US" sz="2000" dirty="0">
+                <a:sym typeface="+mn-ea"/>
+              </a:rPr>
+              <a:t> 安装</a:t>
+            </a:r>
+            <a:r>
+              <a:rPr kumimoji="1" lang="zh-CN" altLang="en-US" sz="2000" dirty="0">
+                <a:sym typeface="+mn-ea"/>
                 <a:hlinkClick r:id="rId1"/>
               </a:rPr>
               <a:t>插件</a:t>
             </a:r>
             <a:br>
-              <a:rPr kumimoji="1" lang="en-US" altLang="zh-CN" sz="2400" dirty="0"/>
+              <a:rPr kumimoji="1" lang="en-US" altLang="zh-CN" sz="2000" dirty="0">
+                <a:sym typeface="+mn-ea"/>
+              </a:rPr>
             </a:br>
             <a:r>
-              <a:rPr kumimoji="1" lang="en-US" altLang="zh-CN" sz="2400" dirty="0"/>
-              <a:t>3.</a:t>
-            </a:r>
-            <a:r>
-              <a:rPr kumimoji="1" lang="zh-CN" altLang="en-US" sz="2400" dirty="0"/>
-              <a:t> 掌握</a:t>
-            </a:r>
-            <a:r>
-              <a:rPr kumimoji="1" lang="en-US" altLang="zh-CN" sz="2400" dirty="0"/>
+              <a:rPr kumimoji="1" lang="en-US" altLang="zh-CN" sz="2000" dirty="0">
+                <a:sym typeface="+mn-ea"/>
+              </a:rPr>
+              <a:t>找一些合适的分数段，比如1500到1600的题目，适合自己独立思考的。从低分数的往上做 </a:t>
+            </a:r>
+            <a:r>
+              <a:rPr kumimoji="1" lang="zh-CN" altLang="en-US" sz="2000" dirty="0">
+                <a:sym typeface="+mn-ea"/>
+              </a:rPr>
+              <a:t>能力</a:t>
+            </a:r>
+            <a:r>
+              <a:rPr kumimoji="1" lang="en-US" altLang="zh-CN" sz="2000" dirty="0">
+                <a:sym typeface="+mn-ea"/>
+              </a:rPr>
+              <a:t>培养起来</a:t>
+            </a:r>
+            <a:endParaRPr kumimoji="1" lang="en-US" altLang="zh-CN" sz="2000" dirty="0">
+              <a:sym typeface="+mn-ea"/>
+            </a:endParaRPr>
+          </a:p>
+          <a:p>
+            <a:br>
+              <a:rPr kumimoji="1" lang="zh-CN" altLang="en-US" sz="2000" dirty="0"/>
+            </a:br>
+            <a:r>
+              <a:rPr kumimoji="1" lang="en-US" altLang="zh-CN" sz="2000" dirty="0"/>
+              <a:t>2. </a:t>
+            </a:r>
+            <a:r>
+              <a:rPr kumimoji="1" lang="zh-CN" altLang="en-US" sz="2000" dirty="0"/>
+              <a:t>力扣前</a:t>
+            </a:r>
+            <a:r>
+              <a:rPr kumimoji="1" lang="en-US" altLang="zh-CN" sz="2000" dirty="0"/>
+              <a:t>750</a:t>
+            </a:r>
+            <a:r>
+              <a:rPr kumimoji="1" lang="zh-CN" altLang="en-US" sz="2000" dirty="0"/>
+              <a:t>题</a:t>
+            </a:r>
+            <a:r>
+              <a:rPr kumimoji="1" lang="en-US" altLang="zh-CN" sz="2000" dirty="0"/>
               <a:t> </a:t>
             </a:r>
             <a:r>
-              <a:rPr kumimoji="1" lang="zh-CN" altLang="en-US" sz="2400" dirty="0"/>
-              <a:t>贪心 图 动态规划 线段树</a:t>
-            </a:r>
-            <a:r>
-              <a:rPr kumimoji="1" lang="en-US" altLang="zh-CN" sz="2400" dirty="0"/>
-              <a:t> </a:t>
-            </a:r>
-            <a:r>
-              <a:rPr kumimoji="1" lang="zh-CN" altLang="en-US" sz="2400" dirty="0"/>
-              <a:t>红黑树</a:t>
-            </a:r>
-            <a:r>
-              <a:rPr kumimoji="1" lang="en-US" altLang="zh-CN" sz="2400" dirty="0"/>
-              <a:t> </a:t>
-            </a:r>
-            <a:r>
-              <a:rPr kumimoji="1" lang="zh-CN" altLang="en-US" sz="2400" dirty="0"/>
-              <a:t>等高级数据结构与</a:t>
-            </a:r>
-            <a:r>
-              <a:rPr kumimoji="1" lang="zh-CN" altLang="en-US" sz="2400" dirty="0"/>
-              <a:t>算法</a:t>
-            </a:r>
-            <a:endParaRPr kumimoji="1" lang="zh-CN" altLang="en-US" sz="2400" dirty="0"/>
-          </a:p>
-        </p:txBody>
-      </p:sp>
-      <p:sp>
-        <p:nvSpPr>
-          <p:cNvPr id="6" name="文本框 5"/>
+              <a:rPr kumimoji="1" lang="zh-CN" altLang="en-US" sz="2000" dirty="0"/>
+              <a:t>https://space.bilibili.com/149758/video?tid=0&amp;pn=2&amp;keyword=&amp;order=pubdate </a:t>
+            </a:r>
+            <a:endParaRPr kumimoji="1" lang="zh-CN" altLang="en-US" sz="2000" dirty="0"/>
+          </a:p>
+        </p:txBody>
+      </p:sp>
+      <p:sp>
+        <p:nvSpPr>
+          <p:cNvPr id="2" name="文本框 1"/>
           <p:cNvSpPr txBox="1"/>
           <p:nvPr/>
         </p:nvSpPr>
         <p:spPr>
           <a:xfrm>
-            <a:off x="927347" y="1090812"/>
-            <a:ext cx="1107996" cy="646331"/>
+            <a:off x="711200" y="4687570"/>
+            <a:ext cx="10796905" cy="1938020"/>
           </a:xfrm>
           <a:prstGeom prst="rect">
             <a:avLst/>
@@ -3929,162 +4102,50 @@
           <a:noFill/>
         </p:spPr>
         <p:txBody>
-          <a:bodyPr wrap="none" rtlCol="0">
+          <a:bodyPr wrap="square" rtlCol="0">
             <a:spAutoFit/>
           </a:bodyPr>
           <a:lstStyle/>
           <a:p>
             <a:r>
-              <a:rPr kumimoji="1" lang="zh-CN" altLang="en-US" sz="3600" dirty="0"/>
-              <a:t>题目</a:t>
-            </a:r>
-            <a:endParaRPr kumimoji="1" lang="zh-CN" altLang="en-US" sz="3600" dirty="0"/>
-          </a:p>
-        </p:txBody>
-      </p:sp>
-      <p:sp>
-        <p:nvSpPr>
-          <p:cNvPr id="8" name="文本框 7"/>
-          <p:cNvSpPr txBox="1"/>
-          <p:nvPr/>
-        </p:nvSpPr>
-        <p:spPr>
-          <a:xfrm>
-            <a:off x="5745877" y="3550397"/>
-            <a:ext cx="184731" cy="830997"/>
-          </a:xfrm>
-          <a:prstGeom prst="rect">
-            <a:avLst/>
-          </a:prstGeom>
-          <a:noFill/>
-        </p:spPr>
-        <p:txBody>
-          <a:bodyPr wrap="none" rtlCol="0">
-            <a:spAutoFit/>
-          </a:bodyPr>
-          <a:lstStyle/>
-          <a:p>
+              <a:rPr kumimoji="1" lang="en-US" altLang="zh-CN" sz="2400" dirty="0"/>
+              <a:t>1.</a:t>
+            </a:r>
+            <a:r>
+              <a:rPr kumimoji="1" lang="zh-CN" altLang="en-US" sz="2400" dirty="0"/>
+              <a:t> 熟练使用数据结构和算法，掌握高级数据结构和算法的使用场景，如</a:t>
+            </a:r>
+            <a:r>
+              <a:rPr kumimoji="1" lang="zh-CN" altLang="en-US" sz="2400" dirty="0">
+                <a:sym typeface="+mn-ea"/>
+              </a:rPr>
+              <a:t>贪心 图 动态规划 线段树</a:t>
+            </a:r>
+            <a:r>
+              <a:rPr kumimoji="1" lang="en-US" altLang="zh-CN" sz="2400" dirty="0">
+                <a:sym typeface="+mn-ea"/>
+              </a:rPr>
+              <a:t> </a:t>
+            </a:r>
+            <a:r>
+              <a:rPr kumimoji="1" lang="zh-CN" altLang="en-US" sz="2400" dirty="0">
+                <a:sym typeface="+mn-ea"/>
+              </a:rPr>
+              <a:t>红黑树</a:t>
+            </a:r>
+            <a:r>
+              <a:rPr kumimoji="1" lang="en-US" altLang="zh-CN" sz="2400" dirty="0">
+                <a:sym typeface="+mn-ea"/>
+              </a:rPr>
+              <a:t> </a:t>
+            </a:r>
+            <a:r>
+              <a:rPr kumimoji="1" lang="zh-CN" altLang="en-US" sz="2400" dirty="0"/>
+              <a:t>，掌握降低时间复杂度的优化方法</a:t>
+            </a:r>
             <a:br>
               <a:rPr kumimoji="1" lang="en-US" altLang="zh-CN" sz="2400" dirty="0"/>
             </a:br>
-            <a:endParaRPr kumimoji="1" lang="zh-CN" altLang="en-US" sz="2400" dirty="0"/>
-          </a:p>
-        </p:txBody>
-      </p:sp>
-      <p:sp>
-        <p:nvSpPr>
-          <p:cNvPr id="9" name="文本框 8"/>
-          <p:cNvSpPr txBox="1"/>
-          <p:nvPr/>
-        </p:nvSpPr>
-        <p:spPr>
-          <a:xfrm>
-            <a:off x="9132833" y="1071010"/>
-            <a:ext cx="2031325" cy="646331"/>
-          </a:xfrm>
-          <a:prstGeom prst="rect">
-            <a:avLst/>
-          </a:prstGeom>
-          <a:noFill/>
-        </p:spPr>
-        <p:txBody>
-          <a:bodyPr wrap="none" rtlCol="0">
-            <a:spAutoFit/>
-          </a:bodyPr>
-          <a:lstStyle/>
-          <a:p>
-            <a:r>
-              <a:rPr kumimoji="1" lang="zh-CN" altLang="en-US" sz="3600" dirty="0"/>
-              <a:t>学习资料</a:t>
-            </a:r>
-            <a:endParaRPr kumimoji="1" lang="zh-CN" altLang="en-US" sz="3600" dirty="0"/>
-          </a:p>
-        </p:txBody>
-      </p:sp>
-      <p:sp>
-        <p:nvSpPr>
-          <p:cNvPr id="10" name="文本框 9"/>
-          <p:cNvSpPr txBox="1"/>
-          <p:nvPr/>
-        </p:nvSpPr>
-        <p:spPr>
-          <a:xfrm>
-            <a:off x="9062536" y="1902727"/>
-            <a:ext cx="3002280" cy="829945"/>
-          </a:xfrm>
-          <a:prstGeom prst="rect">
-            <a:avLst/>
-          </a:prstGeom>
-          <a:noFill/>
-        </p:spPr>
-        <p:txBody>
-          <a:bodyPr wrap="none" rtlCol="0">
-            <a:spAutoFit/>
-          </a:bodyPr>
-          <a:lstStyle/>
-          <a:p>
-            <a:r>
-              <a:rPr kumimoji="1" lang="en-US" altLang="zh-CN" sz="2400" dirty="0" err="1">
-                <a:hlinkClick r:id="rId2"/>
-              </a:rPr>
-              <a:t>OIWiki</a:t>
-            </a:r>
-            <a:br>
-              <a:rPr kumimoji="1" lang="en-US" altLang="zh-CN" sz="2400" dirty="0" err="1"/>
-            </a:br>
-            <a:r>
-              <a:rPr kumimoji="1" lang="en-US" altLang="zh-CN" sz="2400" dirty="0" err="1"/>
-              <a:t>lyd</a:t>
-            </a:r>
-            <a:r>
-              <a:rPr kumimoji="1" lang="zh-CN" altLang="en-US" sz="2400" dirty="0" err="1"/>
-              <a:t>《算法竞赛</a:t>
-            </a:r>
-            <a:r>
-              <a:rPr kumimoji="1" lang="zh-CN" altLang="en-US" sz="2400" dirty="0" err="1"/>
-              <a:t>指南》</a:t>
-            </a:r>
-            <a:endParaRPr kumimoji="1" lang="zh-CN" altLang="en-US" sz="2400" dirty="0" err="1"/>
-          </a:p>
-        </p:txBody>
-      </p:sp>
-      <p:sp>
-        <p:nvSpPr>
-          <p:cNvPr id="2" name="文本框 1"/>
-          <p:cNvSpPr txBox="1"/>
-          <p:nvPr/>
-        </p:nvSpPr>
-        <p:spPr>
-          <a:xfrm>
-            <a:off x="982002" y="4567748"/>
-            <a:ext cx="9712480" cy="1198880"/>
-          </a:xfrm>
-          <a:prstGeom prst="rect">
-            <a:avLst/>
-          </a:prstGeom>
-          <a:noFill/>
-        </p:spPr>
-        <p:txBody>
-          <a:bodyPr wrap="square" rtlCol="0">
-            <a:spAutoFit/>
-          </a:bodyPr>
-          <a:lstStyle/>
-          <a:p>
-            <a:r>
-              <a:rPr kumimoji="1" lang="en-US" altLang="zh-CN" sz="2400" dirty="0"/>
-              <a:t>1.</a:t>
-            </a:r>
-            <a:r>
-              <a:rPr kumimoji="1" lang="zh-CN" altLang="en-US" sz="2400" dirty="0"/>
-              <a:t> 熟练使用数据结构和算法，掌握</a:t>
-            </a:r>
-            <a:r>
-              <a:rPr kumimoji="1" lang="zh-CN" altLang="en-US" sz="2400" dirty="0"/>
-              <a:t>高级数据结构和算法的使用场景，掌握降低时间复杂度的优化方法</a:t>
-            </a:r>
-            <a:br>
-              <a:rPr kumimoji="1" lang="en-US" altLang="zh-CN" sz="2400" dirty="0"/>
-            </a:br>
             <a:r>
               <a:rPr kumimoji="1" lang="en-US" altLang="zh-CN" sz="2400" dirty="0"/>
               <a:t>2.</a:t>
@@ -4093,6 +4154,40 @@
               <a:rPr kumimoji="1" lang="zh-CN" altLang="en-US" sz="2400" dirty="0"/>
               <a:t> 熟练编码能力和调试能力。</a:t>
             </a:r>
+            <a:br>
+              <a:rPr kumimoji="1" lang="zh-CN" altLang="en-US" sz="2400" dirty="0"/>
+            </a:br>
+            <a:r>
+              <a:rPr kumimoji="1" lang="en-US" altLang="zh-CN" sz="2400" dirty="0"/>
+              <a:t>3. </a:t>
+            </a:r>
+            <a:r>
+              <a:rPr kumimoji="1" lang="zh-CN" altLang="en-US" sz="2400" dirty="0"/>
+              <a:t>力扣竞赛分</a:t>
+            </a:r>
+            <a:r>
+              <a:rPr kumimoji="1" lang="en-US" altLang="zh-CN" sz="2400" dirty="0"/>
+              <a:t> 1900 </a:t>
+            </a:r>
+            <a:r>
+              <a:rPr kumimoji="1" lang="zh-CN" altLang="en-US" sz="2400" dirty="0"/>
+              <a:t>分，此时可以面</a:t>
+            </a:r>
+            <a:r>
+              <a:rPr kumimoji="1" lang="en-US" altLang="zh-CN" sz="2400" dirty="0"/>
+              <a:t> 90% </a:t>
+            </a:r>
+            <a:r>
+              <a:rPr kumimoji="1" lang="zh-CN" altLang="en-US" sz="2400" dirty="0"/>
+              <a:t>以上的</a:t>
+            </a:r>
+            <a:r>
+              <a:rPr kumimoji="1" lang="zh-CN" altLang="en-US" sz="2400" dirty="0"/>
+              <a:t>公司</a:t>
+            </a:r>
+            <a:endParaRPr kumimoji="1" lang="zh-CN" altLang="en-US" sz="2400" dirty="0"/>
+          </a:p>
+          <a:p>
             <a:endParaRPr kumimoji="1" lang="zh-CN" altLang="en-US" sz="2400" dirty="0"/>
           </a:p>
         </p:txBody>
@@ -4105,7 +4200,7 @@
         </p:nvSpPr>
         <p:spPr>
           <a:xfrm>
-            <a:off x="927347" y="3735063"/>
+            <a:off x="711447" y="3840473"/>
             <a:ext cx="1107996" cy="646331"/>
           </a:xfrm>
           <a:prstGeom prst="rect">
@@ -4154,6 +4249,37 @@
               <a:t>算法提高</a:t>
             </a:r>
             <a:endParaRPr kumimoji="1" lang="zh-CN" altLang="en-US" sz="4400" dirty="0"/>
+          </a:p>
+        </p:txBody>
+      </p:sp>
+      <p:sp>
+        <p:nvSpPr>
+          <p:cNvPr id="7" name="文本框 6"/>
+          <p:cNvSpPr txBox="1"/>
+          <p:nvPr/>
+        </p:nvSpPr>
+        <p:spPr>
+          <a:xfrm>
+            <a:off x="711200" y="949960"/>
+            <a:ext cx="11122025" cy="368300"/>
+          </a:xfrm>
+          <a:prstGeom prst="rect">
+            <a:avLst/>
+          </a:prstGeom>
+          <a:noFill/>
+        </p:spPr>
+        <p:txBody>
+          <a:bodyPr wrap="square" rtlCol="0">
+            <a:spAutoFit/>
+          </a:bodyPr>
+          <a:p>
+            <a:r>
+              <a:rPr lang="zh-CN" altLang="en-US"/>
+              <a:t>该阶段主要锻炼独立解题能力，分析能力，力争做到知其然且知其所以然，</a:t>
+            </a:r>
+            <a:endParaRPr kumimoji="1" lang="en-US" altLang="zh-CN" dirty="0">
+              <a:sym typeface="+mn-ea"/>
+            </a:endParaRPr>
           </a:p>
         </p:txBody>
       </p:sp>
@@ -4191,7 +4317,7 @@
         <p:spPr>
           <a:xfrm>
             <a:off x="885706" y="1717976"/>
-            <a:ext cx="4536187" cy="461665"/>
+            <a:ext cx="4536187" cy="460375"/>
           </a:xfrm>
           <a:prstGeom prst="rect">
             <a:avLst/>
@@ -4206,11 +4332,23 @@
           <a:p>
             <a:r>
               <a:rPr kumimoji="1" lang="en-US" altLang="zh-CN" sz="2400" dirty="0"/>
-              <a:t>3000 </a:t>
+              <a:t>2000 </a:t>
             </a:r>
             <a:r>
               <a:rPr kumimoji="1" lang="zh-CN" altLang="en-US" sz="2400" dirty="0"/>
               <a:t>题</a:t>
+            </a:r>
+            <a:r>
+              <a:rPr kumimoji="1" lang="en-US" altLang="zh-CN" sz="2400" dirty="0"/>
+              <a:t> or </a:t>
+            </a:r>
+            <a:r>
+              <a:rPr kumimoji="1" lang="zh-CN" altLang="en-US" sz="2400" dirty="0"/>
+              <a:t>力扣竞赛分</a:t>
+            </a:r>
+            <a:r>
+              <a:rPr kumimoji="1" lang="en-US" altLang="zh-CN" sz="2400" dirty="0"/>
+              <a:t>2500</a:t>
             </a:r>
             <a:endParaRPr kumimoji="1" lang="en-US" altLang="zh-CN" sz="2400" dirty="0"/>
           </a:p>
@@ -4254,7 +4392,7 @@
         </p:nvSpPr>
         <p:spPr>
           <a:xfrm>
-            <a:off x="5745877" y="3550397"/>
+            <a:off x="5746512" y="3037317"/>
             <a:ext cx="184731" cy="830997"/>
           </a:xfrm>
           <a:prstGeom prst="rect">
@@ -4277,14 +4415,14 @@
       </p:sp>
       <p:sp>
         <p:nvSpPr>
-          <p:cNvPr id="9" name="文本框 8"/>
+          <p:cNvPr id="2" name="文本框 1"/>
           <p:cNvSpPr txBox="1"/>
           <p:nvPr/>
         </p:nvSpPr>
         <p:spPr>
           <a:xfrm>
-            <a:off x="5421893" y="1071645"/>
-            <a:ext cx="2031325" cy="646331"/>
+            <a:off x="982637" y="3936739"/>
+            <a:ext cx="9712480" cy="1198880"/>
           </a:xfrm>
           <a:prstGeom prst="rect">
             <a:avLst/>
@@ -4292,76 +4430,35 @@
           <a:noFill/>
         </p:spPr>
         <p:txBody>
-          <a:bodyPr wrap="none" rtlCol="0">
-            <a:spAutoFit/>
-          </a:bodyPr>
-          <a:lstStyle/>
-          <a:p>
-            <a:r>
-              <a:rPr kumimoji="1" lang="zh-CN" altLang="en-US" sz="3600" dirty="0"/>
-              <a:t>学习资料</a:t>
-            </a:r>
-            <a:endParaRPr kumimoji="1" lang="zh-CN" altLang="en-US" sz="3600" dirty="0"/>
-          </a:p>
-        </p:txBody>
-      </p:sp>
-      <p:sp>
-        <p:nvSpPr>
-          <p:cNvPr id="10" name="文本框 9"/>
-          <p:cNvSpPr txBox="1"/>
-          <p:nvPr/>
-        </p:nvSpPr>
-        <p:spPr>
-          <a:xfrm>
-            <a:off x="5620201" y="1797952"/>
-            <a:ext cx="1056700" cy="461665"/>
-          </a:xfrm>
-          <a:prstGeom prst="rect">
-            <a:avLst/>
-          </a:prstGeom>
-          <a:noFill/>
-        </p:spPr>
-        <p:txBody>
-          <a:bodyPr wrap="none" rtlCol="0">
-            <a:spAutoFit/>
-          </a:bodyPr>
-          <a:lstStyle/>
-          <a:p>
-            <a:r>
-              <a:rPr kumimoji="1" lang="en-US" altLang="zh-CN" sz="2400" dirty="0">
-                <a:hlinkClick r:id="rId1"/>
-              </a:rPr>
-              <a:t>OIWiki</a:t>
-            </a:r>
-            <a:endParaRPr kumimoji="1" lang="en-US" altLang="zh-CN" sz="2400" dirty="0"/>
-          </a:p>
-        </p:txBody>
-      </p:sp>
-      <p:sp>
-        <p:nvSpPr>
-          <p:cNvPr id="2" name="文本框 1"/>
-          <p:cNvSpPr txBox="1"/>
-          <p:nvPr/>
-        </p:nvSpPr>
-        <p:spPr>
-          <a:xfrm>
-            <a:off x="982002" y="4449819"/>
-            <a:ext cx="9712480" cy="461665"/>
-          </a:xfrm>
-          <a:prstGeom prst="rect">
-            <a:avLst/>
-          </a:prstGeom>
-          <a:noFill/>
-        </p:spPr>
-        <p:txBody>
           <a:bodyPr wrap="square" rtlCol="0">
             <a:spAutoFit/>
           </a:bodyPr>
           <a:lstStyle/>
           <a:p>
             <a:r>
+              <a:rPr kumimoji="1" lang="zh-CN" altLang="en-US" sz="2400" dirty="0"/>
+              <a:t>此时已经基本掌握所有的力扣所用到的数据结构与算法，有精力可以进一步学习数学知识，保持做题，保持思维</a:t>
+            </a:r>
+            <a:br>
               <a:rPr kumimoji="1" lang="en-US" altLang="zh-CN" sz="2400" dirty="0"/>
-              <a:t>Bug Free</a:t>
+            </a:br>
+            <a:r>
+              <a:rPr kumimoji="1" lang="zh-CN" altLang="en-US" sz="2400" dirty="0">
+                <a:sym typeface="+mn-ea"/>
+              </a:rPr>
+              <a:t>此时可以面</a:t>
+            </a:r>
+            <a:r>
+              <a:rPr kumimoji="1" lang="en-US" altLang="zh-CN" sz="2400" dirty="0">
+                <a:sym typeface="+mn-ea"/>
+              </a:rPr>
+              <a:t> 100% </a:t>
+            </a:r>
+            <a:r>
+              <a:rPr kumimoji="1" lang="zh-CN" altLang="en-US" sz="2400" dirty="0">
+                <a:sym typeface="+mn-ea"/>
+              </a:rPr>
+              <a:t>的公司</a:t>
             </a:r>
             <a:endParaRPr kumimoji="1" lang="zh-CN" altLang="en-US" sz="2400" dirty="0"/>
           </a:p>
@@ -4375,7 +4472,7 @@
         </p:nvSpPr>
         <p:spPr>
           <a:xfrm>
-            <a:off x="927347" y="3735063"/>
+            <a:off x="927982" y="3221983"/>
             <a:ext cx="1107996" cy="646331"/>
           </a:xfrm>
           <a:prstGeom prst="rect">
@@ -4424,6 +4521,174 @@
               <a:t>算法进阶</a:t>
             </a:r>
             <a:endParaRPr kumimoji="1" lang="zh-CN" altLang="en-US" sz="4400" dirty="0"/>
+          </a:p>
+        </p:txBody>
+      </p:sp>
+    </p:spTree>
+  </p:cSld>
+  <p:clrMapOvr>
+    <a:masterClrMapping/>
+  </p:clrMapOvr>
+</p:sld>
+</file>
+
+<file path=ppt/slides/slide4.xml><?xml version="1.0" encoding="utf-8"?>
+<p:sld xmlns:a="http://schemas.openxmlformats.org/drawingml/2006/main" xmlns:r="http://schemas.openxmlformats.org/officeDocument/2006/relationships" xmlns:p="http://schemas.openxmlformats.org/presentationml/2006/main">
+  <p:cSld>
+    <p:spTree>
+      <p:nvGrpSpPr>
+        <p:cNvPr id="1" name=""/>
+        <p:cNvGrpSpPr/>
+        <p:nvPr/>
+      </p:nvGrpSpPr>
+      <p:grpSpPr/>
+      <p:sp>
+        <p:nvSpPr>
+          <p:cNvPr id="2" name="标题 1"/>
+          <p:cNvSpPr>
+            <a:spLocks noGrp="1"/>
+          </p:cNvSpPr>
+          <p:nvPr>
+            <p:ph type="title"/>
+          </p:nvPr>
+        </p:nvSpPr>
+        <p:spPr/>
+        <p:txBody>
+          <a:bodyPr/>
+          <a:p>
+            <a:r>
+              <a:rPr lang="zh-CN" altLang="en-US"/>
+              <a:t>学习</a:t>
+            </a:r>
+            <a:r>
+              <a:rPr lang="zh-CN" altLang="en-US"/>
+              <a:t>资料</a:t>
+            </a:r>
+            <a:endParaRPr lang="zh-CN" altLang="en-US"/>
+          </a:p>
+        </p:txBody>
+      </p:sp>
+      <p:sp>
+        <p:nvSpPr>
+          <p:cNvPr id="5" name="文本框 4"/>
+          <p:cNvSpPr txBox="1"/>
+          <p:nvPr/>
+        </p:nvSpPr>
+        <p:spPr>
+          <a:xfrm>
+            <a:off x="1005840" y="1607820"/>
+            <a:ext cx="10634345" cy="2430145"/>
+          </a:xfrm>
+          <a:prstGeom prst="rect">
+            <a:avLst/>
+          </a:prstGeom>
+          <a:noFill/>
+        </p:spPr>
+        <p:txBody>
+          <a:bodyPr wrap="square" rtlCol="0" anchor="t">
+            <a:spAutoFit/>
+          </a:bodyPr>
+          <a:p>
+            <a:r>
+              <a:rPr kumimoji="1" lang="zh-CN" altLang="en-US" sz="2000" dirty="0">
+                <a:sym typeface="+mn-ea"/>
+                <a:hlinkClick r:id="rId1"/>
+              </a:rPr>
+              <a:t>拉不拉东</a:t>
+            </a:r>
+            <a:r>
+              <a:rPr kumimoji="1" lang="en-US" altLang="zh-CN" sz="2000" dirty="0">
+                <a:sym typeface="+mn-ea"/>
+              </a:rPr>
+              <a:t> </a:t>
+            </a:r>
+            <a:r>
+              <a:rPr kumimoji="1" lang="en-US" altLang="zh-CN" sz="1600" dirty="0">
+                <a:sym typeface="+mn-ea"/>
+              </a:rPr>
+              <a:t>https://labuladong.github.io/algo/di-ling-zh-bfe1b/xue-xi-sua-01220/</a:t>
+            </a:r>
+            <a:br>
+              <a:rPr kumimoji="1" lang="zh-CN" altLang="en-US" sz="2000" dirty="0">
+                <a:sym typeface="+mn-ea"/>
+              </a:rPr>
+            </a:br>
+            <a:r>
+              <a:rPr kumimoji="1" lang="zh-CN" altLang="en-US" sz="2000" dirty="0">
+                <a:sym typeface="+mn-ea"/>
+                <a:hlinkClick r:id="rId2"/>
+              </a:rPr>
+              <a:t>算法基础课</a:t>
+            </a:r>
+            <a:br>
+              <a:rPr kumimoji="1" lang="zh-CN" altLang="en-US" sz="2000" dirty="0">
+                <a:sym typeface="+mn-ea"/>
+              </a:rPr>
+            </a:br>
+            <a:br>
+              <a:rPr kumimoji="1" lang="zh-CN" altLang="en-US" sz="2000" dirty="0">
+                <a:sym typeface="+mn-ea"/>
+              </a:rPr>
+            </a:br>
+            <a:r>
+              <a:rPr kumimoji="1" lang="zh-CN" altLang="en-US" sz="2000" dirty="0">
+                <a:sym typeface="+mn-ea"/>
+              </a:rPr>
+              <a:t>《算法竞赛进阶</a:t>
+            </a:r>
+            <a:r>
+              <a:rPr kumimoji="1" lang="zh-CN" altLang="en-US" sz="2000" dirty="0">
+                <a:sym typeface="+mn-ea"/>
+              </a:rPr>
+              <a:t>指南》</a:t>
+            </a:r>
+            <a:br>
+              <a:rPr kumimoji="1" lang="zh-CN" altLang="en-US" sz="2000" dirty="0">
+                <a:sym typeface="+mn-ea"/>
+              </a:rPr>
+            </a:br>
+            <a:br>
+              <a:rPr kumimoji="1" lang="zh-CN" altLang="en-US" sz="2000" dirty="0">
+                <a:sym typeface="+mn-ea"/>
+              </a:rPr>
+            </a:br>
+            <a:r>
+              <a:rPr kumimoji="1" lang="zh-CN" altLang="en-US" sz="2000" dirty="0">
+                <a:sym typeface="+mn-ea"/>
+              </a:rPr>
+              <a:t>高质量题解：</a:t>
+            </a:r>
+            <a:r>
+              <a:rPr kumimoji="1" lang="en-US" altLang="zh-CN" sz="2000" dirty="0">
+                <a:sym typeface="+mn-ea"/>
+              </a:rPr>
+              <a:t> </a:t>
+            </a:r>
+            <a:br>
+              <a:rPr kumimoji="1" lang="en-US" altLang="zh-CN" sz="2000" dirty="0">
+                <a:sym typeface="+mn-ea"/>
+              </a:rPr>
+            </a:br>
+            <a:r>
+              <a:rPr kumimoji="1" lang="en-US" altLang="zh-CN" sz="1600" dirty="0">
+                <a:sym typeface="+mn-ea"/>
+              </a:rPr>
+              <a:t>https://github.com/wisdompeak/LeetCode</a:t>
+            </a:r>
+            <a:br>
+              <a:rPr kumimoji="1" lang="en-US" altLang="zh-CN" sz="1600" dirty="0">
+                <a:sym typeface="+mn-ea"/>
+              </a:rPr>
+            </a:br>
+            <a:r>
+              <a:rPr kumimoji="1" lang="en-US" altLang="zh-CN" sz="1600" dirty="0">
+                <a:sym typeface="+mn-ea"/>
+              </a:rPr>
+              <a:t>https://github.com/EndlessCheng/codeforces-go</a:t>
+            </a:r>
+            <a:endParaRPr kumimoji="1" lang="en-US" altLang="zh-CN" sz="1600" dirty="0">
+              <a:sym typeface="+mn-ea"/>
+            </a:endParaRPr>
           </a:p>
         </p:txBody>
       </p:sp>

--- a/xmind/刷题指南.pptx
+++ b/xmind/刷题指南.pptx
@@ -4317,7 +4317,7 @@
         <p:spPr>
           <a:xfrm>
             <a:off x="885706" y="1717976"/>
-            <a:ext cx="4536187" cy="460375"/>
+            <a:ext cx="4536187" cy="829945"/>
           </a:xfrm>
           <a:prstGeom prst="rect">
             <a:avLst/>
@@ -4348,7 +4348,22 @@
             </a:r>
             <a:r>
               <a:rPr kumimoji="1" lang="en-US" altLang="zh-CN" sz="2400" dirty="0"/>
-              <a:t>2500</a:t>
+              <a:t>2500|</a:t>
+            </a:r>
+            <a:br>
+              <a:rPr kumimoji="1" lang="en-US" altLang="zh-CN" sz="2400" dirty="0"/>
+            </a:br>
+            <a:r>
+              <a:rPr kumimoji="1" lang="zh-CN" altLang="en-US" sz="2400" dirty="0"/>
+              <a:t>多做</a:t>
+            </a:r>
+            <a:r>
+              <a:rPr kumimoji="1" lang="en-US" altLang="zh-CN" sz="2400" dirty="0"/>
+              <a:t> ha</a:t>
+            </a:r>
+            <a:r>
+              <a:rPr kumimoji="1" lang="en-US" altLang="zh-CN" sz="2400" dirty="0"/>
+              <a:t>rd</a:t>
             </a:r>
             <a:endParaRPr kumimoji="1" lang="en-US" altLang="zh-CN" sz="2400" dirty="0"/>
           </a:p>

--- a/xmind/刷题指南.pptx
+++ b/xmind/刷题指南.pptx
@@ -11,7 +11,8 @@
     <p:sldId id="256" r:id="rId3"/>
     <p:sldId id="258" r:id="rId5"/>
     <p:sldId id="259" r:id="rId6"/>
-    <p:sldId id="260" r:id="rId7"/>
+    <p:sldId id="261" r:id="rId7"/>
+    <p:sldId id="260" r:id="rId8"/>
   </p:sldIdLst>
   <p:sldSz cx="12192000" cy="6858000"/>
   <p:notesSz cx="6858000" cy="9144000"/>
@@ -3370,8 +3371,8 @@
         </p:nvSpPr>
         <p:spPr>
           <a:xfrm>
-            <a:off x="1010920" y="3139440"/>
-            <a:ext cx="7816850" cy="1476375"/>
+            <a:off x="648970" y="3122930"/>
+            <a:ext cx="7816850" cy="1198880"/>
           </a:xfrm>
           <a:prstGeom prst="rect">
             <a:avLst/>
@@ -3413,26 +3414,26 @@
               <a:rPr kumimoji="1" lang="en-US" altLang="zh-CN" dirty="0"/>
               <a:t>&amp; II </a:t>
             </a:r>
+            <a:endParaRPr kumimoji="1" lang="en-US" altLang="zh-CN" dirty="0"/>
+          </a:p>
+          <a:p>
+            <a:pPr algn="l"/>
+            <a:r>
+              <a:rPr kumimoji="1" lang="en-US" altLang="zh-CN" dirty="0"/>
+              <a:t>2. </a:t>
+            </a:r>
             <a:r>
               <a:rPr kumimoji="1" lang="zh-CN" altLang="en-US" dirty="0"/>
-              <a:t>一个月</a:t>
-            </a:r>
-            <a:br>
+              <a:t>力扣</a:t>
+            </a:r>
+            <a:r>
               <a:rPr kumimoji="1" lang="en-US" altLang="zh-CN" dirty="0"/>
-            </a:br>
-            <a:r>
-              <a:rPr kumimoji="1" lang="en-US" altLang="zh-CN" dirty="0"/>
-              <a:t>2. Hot100          </a:t>
-            </a:r>
-            <a:r>
-              <a:rPr kumimoji="1" lang="zh-CN" altLang="en-US" dirty="0">
-                <a:sym typeface="+mn-ea"/>
-              </a:rPr>
-              <a:t>一个月</a:t>
-            </a:r>
-            <a:br>
-              <a:rPr kumimoji="1" lang="en-US" altLang="zh-CN" dirty="0"/>
-            </a:br>
+              <a:t>Hot100         </a:t>
+            </a:r>
+            <a:endParaRPr kumimoji="1" lang="en-US" altLang="zh-CN" dirty="0"/>
+          </a:p>
+          <a:p>
+            <a:pPr algn="l"/>
             <a:r>
               <a:rPr kumimoji="1" lang="en-US" altLang="zh-CN" dirty="0"/>
               <a:t>3. </a:t>
@@ -3453,32 +3454,24 @@
             </a:r>
             <a:r>
               <a:rPr kumimoji="1" lang="zh-CN" altLang="en-US" dirty="0"/>
-              <a:t>题</a:t>
+              <a:t>题（包括</a:t>
             </a:r>
             <a:r>
               <a:rPr kumimoji="1" lang="en-US" altLang="zh-CN" dirty="0"/>
-              <a:t>         </a:t>
+              <a:t> hard</a:t>
             </a:r>
             <a:r>
               <a:rPr kumimoji="1" lang="zh-CN" altLang="en-US" dirty="0"/>
-              <a:t>两个</a:t>
-            </a:r>
-            <a:r>
-              <a:rPr kumimoji="1" lang="zh-CN" altLang="en-US" dirty="0">
-                <a:sym typeface="+mn-ea"/>
-              </a:rPr>
-              <a:t>个月</a:t>
-            </a:r>
-            <a:br>
-              <a:rPr kumimoji="1" lang="zh-CN" altLang="en-US" dirty="0">
-                <a:sym typeface="+mn-ea"/>
-              </a:rPr>
-            </a:br>
-            <a:br>
-              <a:rPr kumimoji="1" lang="zh-CN" altLang="en-US" dirty="0">
-                <a:sym typeface="+mn-ea"/>
-              </a:rPr>
-            </a:br>
+              <a:t>）</a:t>
+            </a:r>
+            <a:r>
+              <a:rPr kumimoji="1" lang="en-US" altLang="zh-CN" dirty="0"/>
+              <a:t>        </a:t>
+            </a:r>
+            <a:endParaRPr kumimoji="1" lang="en-US" altLang="zh-CN" dirty="0"/>
+          </a:p>
+          <a:p>
+            <a:pPr algn="l"/>
             <a:r>
               <a:rPr kumimoji="1" lang="zh-CN" altLang="en-US" dirty="0">
                 <a:sym typeface="+mn-ea"/>
@@ -3505,7 +3498,7 @@
         </p:nvSpPr>
         <p:spPr>
           <a:xfrm>
-            <a:off x="927347" y="2425582"/>
+            <a:off x="528567" y="2434472"/>
             <a:ext cx="894080" cy="521970"/>
           </a:xfrm>
           <a:prstGeom prst="rect">
@@ -3598,7 +3591,7 @@
         </p:nvSpPr>
         <p:spPr>
           <a:xfrm>
-            <a:off x="927100" y="5417820"/>
+            <a:off x="778510" y="5417820"/>
             <a:ext cx="10907395" cy="706755"/>
           </a:xfrm>
           <a:prstGeom prst="rect">
@@ -3618,7 +3611,19 @@
             </a:r>
             <a:r>
               <a:rPr kumimoji="1" lang="zh-CN" altLang="en-US" sz="2000" dirty="0"/>
-              <a:t> 掌握基本数据结构，掌握基本算法时空复杂度，能够根据题意和数据规模选择相应算法</a:t>
+              <a:t> 掌握基本数据结构，掌握基本算法时空复杂度，能够根据题意和</a:t>
+            </a:r>
+            <a:r>
+              <a:rPr kumimoji="1" lang="zh-CN" altLang="en-US" sz="2000" dirty="0">
+                <a:solidFill>
+                  <a:srgbClr val="FF0000"/>
+                </a:solidFill>
+              </a:rPr>
+              <a:t>数据规模</a:t>
+            </a:r>
+            <a:r>
+              <a:rPr kumimoji="1" lang="zh-CN" altLang="en-US" sz="2000" dirty="0"/>
+              <a:t>选择相应算法</a:t>
             </a:r>
             <a:br>
               <a:rPr kumimoji="1" lang="en-US" altLang="zh-CN" sz="2000" dirty="0"/>
@@ -3647,7 +3652,7 @@
         </p:nvSpPr>
         <p:spPr>
           <a:xfrm>
-            <a:off x="927226" y="4783971"/>
+            <a:off x="649096" y="4644271"/>
             <a:ext cx="894080" cy="521970"/>
           </a:xfrm>
           <a:prstGeom prst="rect">
@@ -3678,7 +3683,7 @@
         <p:spPr>
           <a:xfrm>
             <a:off x="402443" y="91148"/>
-            <a:ext cx="2441694" cy="769441"/>
+            <a:ext cx="4488815" cy="768350"/>
           </a:xfrm>
           <a:prstGeom prst="rect">
             <a:avLst/>
@@ -3695,6 +3700,14 @@
               <a:rPr kumimoji="1" lang="zh-CN" altLang="en-US" sz="4400" dirty="0"/>
               <a:t>算法基础</a:t>
             </a:r>
+            <a:r>
+              <a:rPr kumimoji="1" lang="en-US" altLang="zh-CN" sz="4400" dirty="0"/>
+              <a:t>-</a:t>
+            </a:r>
+            <a:r>
+              <a:rPr kumimoji="1" lang="zh-CN" altLang="en-US" sz="4400" dirty="0"/>
+              <a:t>两个月</a:t>
+            </a:r>
             <a:endParaRPr kumimoji="1" lang="zh-CN" altLang="en-US" sz="4400" dirty="0"/>
           </a:p>
         </p:txBody>
@@ -3707,7 +3720,7 @@
         </p:nvSpPr>
         <p:spPr>
           <a:xfrm>
-            <a:off x="927100" y="860425"/>
+            <a:off x="528320" y="904875"/>
             <a:ext cx="10807065" cy="1476375"/>
           </a:xfrm>
           <a:prstGeom prst="rect">
@@ -3758,11 +3771,7 @@
             </a:r>
             <a:r>
               <a:rPr lang="zh-CN" altLang="en-US"/>
-              <a:t>看题解</a:t>
-            </a:r>
-            <a:r>
-              <a:rPr lang="en-US" altLang="zh-CN"/>
-              <a:t> </a:t>
+              <a:t>看题解。</a:t>
             </a:r>
             <a:br>
               <a:rPr lang="zh-CN" altLang="en-US"/>
@@ -3896,7 +3905,7 @@
             </a:r>
             <a:r>
               <a:rPr lang="en-US" altLang="zh-CN"/>
-              <a:t>  </a:t>
+              <a:t> </a:t>
             </a:r>
             <a:r>
               <a:rPr lang="zh-CN" altLang="en-US"/>
@@ -3931,11 +3940,19 @@
             </a:r>
             <a:r>
               <a:rPr lang="zh-CN" altLang="en-US"/>
-              <a:t>双</a:t>
+              <a:t>双指针</a:t>
+            </a:r>
+            <a:r>
+              <a:rPr lang="en-US" altLang="zh-CN"/>
+              <a:t> </a:t>
             </a:r>
             <a:r>
               <a:rPr lang="zh-CN" altLang="en-US"/>
-              <a:t>指针</a:t>
+              <a:t>滑动</a:t>
+            </a:r>
+            <a:r>
+              <a:rPr lang="zh-CN" altLang="en-US"/>
+              <a:t>窗口</a:t>
             </a:r>
             <a:endParaRPr lang="zh-CN" altLang="en-US"/>
           </a:p>
@@ -3974,8 +3991,8 @@
         </p:nvSpPr>
         <p:spPr>
           <a:xfrm>
-            <a:off x="711200" y="1656715"/>
-            <a:ext cx="10987405" cy="2183765"/>
+            <a:off x="206375" y="1377950"/>
+            <a:ext cx="11842115" cy="3108960"/>
           </a:xfrm>
           <a:prstGeom prst="rect">
             <a:avLst/>
@@ -3984,7 +4001,7 @@
         </p:spPr>
         <p:txBody>
           <a:bodyPr wrap="square" rtlCol="0">
-            <a:spAutoFit/>
+            <a:noAutofit/>
           </a:bodyPr>
           <a:lstStyle/>
           <a:p>
@@ -3996,13 +4013,77 @@
               <a:rPr kumimoji="1" lang="zh-CN" altLang="en-US" sz="2000" dirty="0"/>
             </a:br>
             <a:r>
+              <a:rPr kumimoji="1" lang="en-US" altLang="zh-CN" sz="2000" dirty="0"/>
+              <a:t>1</a:t>
+            </a:r>
+            <a:r>
               <a:rPr kumimoji="1" lang="en-US" altLang="zh-CN" sz="2000" dirty="0">
                 <a:sym typeface="+mn-ea"/>
               </a:rPr>
-              <a:t>1.</a:t>
+              <a:t>. </a:t>
+            </a:r>
+            <a:r>
+              <a:rPr kumimoji="1" lang="zh-CN" altLang="en-US" sz="2000" b="1" dirty="0">
+                <a:sym typeface="+mn-ea"/>
+              </a:rPr>
+              <a:t>力扣前</a:t>
+            </a:r>
+            <a:r>
+              <a:rPr kumimoji="1" lang="en-US" altLang="zh-CN" sz="2000" b="1" dirty="0">
+                <a:sym typeface="+mn-ea"/>
+              </a:rPr>
+              <a:t>750</a:t>
+            </a:r>
+            <a:r>
+              <a:rPr kumimoji="1" lang="zh-CN" altLang="en-US" sz="2000" b="1" dirty="0">
+                <a:sym typeface="+mn-ea"/>
+              </a:rPr>
+              <a:t>题。</a:t>
             </a:r>
             <a:r>
               <a:rPr kumimoji="1" lang="zh-CN" altLang="en-US" sz="2000" dirty="0">
+                <a:sym typeface="+mn-ea"/>
+              </a:rPr>
+              <a:t>力扣前</a:t>
+            </a:r>
+            <a:r>
+              <a:rPr kumimoji="1" lang="en-US" altLang="zh-CN" sz="2000" dirty="0">
+                <a:sym typeface="+mn-ea"/>
+              </a:rPr>
+              <a:t>750 </a:t>
+            </a:r>
+            <a:r>
+              <a:rPr kumimoji="1" lang="zh-CN" altLang="en-US" sz="2000" dirty="0">
+                <a:sym typeface="+mn-ea"/>
+              </a:rPr>
+              <a:t>题也是属于非比赛题目。涵盖了大部分力扣用到的数据结果与算法，后面的周赛题目基本是前</a:t>
+            </a:r>
+            <a:r>
+              <a:rPr kumimoji="1" lang="en-US" altLang="zh-CN" sz="2000" dirty="0">
+                <a:sym typeface="+mn-ea"/>
+              </a:rPr>
+              <a:t>750 </a:t>
+            </a:r>
+            <a:r>
+              <a:rPr kumimoji="1" lang="zh-CN" altLang="en-US" sz="2000" dirty="0">
+                <a:sym typeface="+mn-ea"/>
+              </a:rPr>
+              <a:t>题的变形题。 </a:t>
+            </a:r>
+            <a:endParaRPr kumimoji="1" lang="zh-CN" altLang="en-US" sz="2000" dirty="0"/>
+          </a:p>
+          <a:p>
+            <a:endParaRPr kumimoji="1" lang="zh-CN" altLang="en-US" sz="2000" dirty="0"/>
+          </a:p>
+          <a:p>
+            <a:r>
+              <a:rPr kumimoji="1" lang="en-US" altLang="zh-CN" sz="2000" dirty="0">
+                <a:sym typeface="+mn-ea"/>
+              </a:rPr>
+              <a:t>2.</a:t>
+            </a:r>
+            <a:r>
+              <a:rPr kumimoji="1" lang="zh-CN" altLang="en-US" sz="2000" b="1" dirty="0">
                 <a:sym typeface="+mn-ea"/>
               </a:rPr>
               <a:t>按周赛难度分做</a:t>
@@ -4035,20 +4116,137 @@
               <a:rPr kumimoji="1" lang="en-US" altLang="zh-CN" sz="2000" dirty="0">
                 <a:sym typeface="+mn-ea"/>
               </a:rPr>
-              <a:t>找一些合适的分数段，比如1500到1600的题目，适合自己独立思考的。从低分数的往上做 </a:t>
+              <a:t>1.</a:t>
             </a:r>
             <a:r>
               <a:rPr kumimoji="1" lang="zh-CN" altLang="en-US" sz="2000" dirty="0">
                 <a:sym typeface="+mn-ea"/>
               </a:rPr>
-              <a:t>能力</a:t>
+              <a:t>筛选</a:t>
             </a:r>
             <a:r>
               <a:rPr kumimoji="1" lang="en-US" altLang="zh-CN" sz="2000" dirty="0">
                 <a:sym typeface="+mn-ea"/>
               </a:rPr>
-              <a:t>培养起来</a:t>
-            </a:r>
+              <a:t>一些合适</a:t>
+            </a:r>
+            <a:r>
+              <a:rPr kumimoji="1" lang="en-US" altLang="zh-CN" sz="2000" dirty="0">
+                <a:sym typeface="+mn-ea"/>
+              </a:rPr>
+              <a:t>自己独立思考的</a:t>
+            </a:r>
+            <a:r>
+              <a:rPr kumimoji="1" lang="en-US" altLang="zh-CN" sz="2000" dirty="0">
+                <a:sym typeface="+mn-ea"/>
+              </a:rPr>
+              <a:t>的分数段，比如1500到1600的题目。从低分数的往上做</a:t>
+            </a:r>
+            <a:r>
+              <a:rPr kumimoji="1" lang="zh-CN" altLang="en-US" sz="2000" dirty="0">
+                <a:sym typeface="+mn-ea"/>
+              </a:rPr>
+              <a:t>，难度逐步提升。把观察能力，应用算法能力，编码能力</a:t>
+            </a:r>
+            <a:r>
+              <a:rPr kumimoji="1" lang="en-US" altLang="zh-CN" sz="2000" dirty="0">
+                <a:sym typeface="+mn-ea"/>
+              </a:rPr>
+              <a:t>培养起来.</a:t>
+            </a:r>
+            <a:r>
+              <a:rPr kumimoji="1" lang="zh-CN" altLang="en-US" sz="2000" dirty="0">
+                <a:sym typeface="+mn-ea"/>
+              </a:rPr>
+              <a:t>大概</a:t>
+            </a:r>
+            <a:r>
+              <a:rPr kumimoji="1" lang="en-US" altLang="zh-CN" sz="2000" dirty="0">
+                <a:sym typeface="+mn-ea"/>
+              </a:rPr>
+              <a:t> 100+</a:t>
+            </a:r>
+            <a:r>
+              <a:rPr kumimoji="1" lang="zh-CN" altLang="en-US" sz="2000" dirty="0">
+                <a:sym typeface="+mn-ea"/>
+              </a:rPr>
+              <a:t>题每百分分数段。（入门是</a:t>
+            </a:r>
+            <a:r>
+              <a:rPr kumimoji="1" lang="en-US" altLang="zh-CN" sz="2000" dirty="0">
+                <a:sym typeface="+mn-ea"/>
+              </a:rPr>
+              <a:t> 1500 </a:t>
+            </a:r>
+            <a:r>
+              <a:rPr kumimoji="1" lang="zh-CN" altLang="en-US" sz="2000" dirty="0">
+                <a:sym typeface="+mn-ea"/>
+              </a:rPr>
+              <a:t>水平，</a:t>
+            </a:r>
+            <a:r>
+              <a:rPr kumimoji="1" lang="en-US" altLang="zh-CN" sz="2000" dirty="0">
+                <a:sym typeface="+mn-ea"/>
+              </a:rPr>
+              <a:t>2000 </a:t>
+            </a:r>
+            <a:r>
+              <a:rPr kumimoji="1" lang="zh-CN" altLang="en-US" sz="2000" dirty="0">
+                <a:sym typeface="+mn-ea"/>
+              </a:rPr>
+              <a:t>分可以面</a:t>
+            </a:r>
+            <a:r>
+              <a:rPr kumimoji="1" lang="zh-CN" altLang="en-US" sz="2000" dirty="0">
+                <a:sym typeface="+mn-ea"/>
+              </a:rPr>
+              <a:t>微软）</a:t>
+            </a:r>
+            <a:endParaRPr kumimoji="1" lang="zh-CN" altLang="en-US" sz="2000" dirty="0">
+              <a:sym typeface="+mn-ea"/>
+            </a:endParaRPr>
+          </a:p>
+          <a:p>
+            <a:pPr marL="0" lvl="1"/>
+            <a:r>
+              <a:rPr lang="en-US" altLang="zh-CN" sz="2000">
+                <a:solidFill>
+                  <a:srgbClr val="FF0000"/>
+                </a:solidFill>
+                <a:sym typeface="+mn-ea"/>
+              </a:rPr>
+              <a:t>2.</a:t>
+            </a:r>
+            <a:r>
+              <a:rPr lang="zh-CN" altLang="en-US" sz="2000">
+                <a:solidFill>
+                  <a:srgbClr val="FF0000"/>
+                </a:solidFill>
+                <a:sym typeface="+mn-ea"/>
+              </a:rPr>
+              <a:t>当遇到不会的题目时</a:t>
+            </a:r>
+            <a:r>
+              <a:rPr lang="zh-CN" altLang="en-US" sz="2000">
+                <a:sym typeface="+mn-ea"/>
+              </a:rPr>
+              <a:t>，需要知晓其用到的算法，按</a:t>
+            </a:r>
+            <a:r>
+              <a:rPr lang="en-US" altLang="zh-CN" sz="2000">
+                <a:sym typeface="+mn-ea"/>
+              </a:rPr>
+              <a:t> tag </a:t>
+            </a:r>
+            <a:r>
+              <a:rPr lang="zh-CN" altLang="en-US" sz="2000">
+                <a:sym typeface="+mn-ea"/>
+              </a:rPr>
+              <a:t>多补足几题，加深对该算法的理解和应用场景</a:t>
+            </a:r>
+            <a:endParaRPr lang="zh-CN" altLang="en-US" sz="2000"/>
+          </a:p>
+          <a:p>
             <a:endParaRPr kumimoji="1" lang="en-US" altLang="zh-CN" sz="2000" dirty="0">
               <a:sym typeface="+mn-ea"/>
             </a:endParaRPr>
@@ -4057,30 +4255,6 @@
             <a:br>
               <a:rPr kumimoji="1" lang="zh-CN" altLang="en-US" sz="2000" dirty="0"/>
             </a:br>
-            <a:r>
-              <a:rPr kumimoji="1" lang="en-US" altLang="zh-CN" sz="2000" dirty="0"/>
-              <a:t>2. </a:t>
-            </a:r>
-            <a:r>
-              <a:rPr kumimoji="1" lang="zh-CN" altLang="en-US" sz="2000" dirty="0"/>
-              <a:t>力扣前</a:t>
-            </a:r>
-            <a:r>
-              <a:rPr kumimoji="1" lang="en-US" altLang="zh-CN" sz="2000" dirty="0"/>
-              <a:t>750</a:t>
-            </a:r>
-            <a:r>
-              <a:rPr kumimoji="1" lang="zh-CN" altLang="en-US" sz="2000" dirty="0"/>
-              <a:t>题</a:t>
-            </a:r>
-            <a:r>
-              <a:rPr kumimoji="1" lang="en-US" altLang="zh-CN" sz="2000" dirty="0"/>
-              <a:t> </a:t>
-            </a:r>
-            <a:r>
-              <a:rPr kumimoji="1" lang="zh-CN" altLang="en-US" sz="2000" dirty="0"/>
-              <a:t>https://space.bilibili.com/149758/video?tid=0&amp;pn=2&amp;keyword=&amp;order=pubdate </a:t>
-            </a:r>
             <a:endParaRPr kumimoji="1" lang="zh-CN" altLang="en-US" sz="2000" dirty="0"/>
           </a:p>
         </p:txBody>
@@ -4093,8 +4267,8 @@
         </p:nvSpPr>
         <p:spPr>
           <a:xfrm>
-            <a:off x="711200" y="4687570"/>
-            <a:ext cx="10796905" cy="1938020"/>
+            <a:off x="265430" y="5095875"/>
+            <a:ext cx="11782425" cy="1428750"/>
           </a:xfrm>
           <a:prstGeom prst="rect">
             <a:avLst/>
@@ -4103,92 +4277,96 @@
         </p:spPr>
         <p:txBody>
           <a:bodyPr wrap="square" rtlCol="0">
-            <a:spAutoFit/>
+            <a:noAutofit/>
           </a:bodyPr>
           <a:lstStyle/>
           <a:p>
             <a:r>
-              <a:rPr kumimoji="1" lang="en-US" altLang="zh-CN" sz="2400" dirty="0"/>
+              <a:rPr kumimoji="1" lang="en-US" altLang="zh-CN" sz="2000" dirty="0"/>
               <a:t>1.</a:t>
             </a:r>
             <a:r>
-              <a:rPr kumimoji="1" lang="zh-CN" altLang="en-US" sz="2400" dirty="0"/>
+              <a:rPr kumimoji="1" lang="zh-CN" altLang="en-US" sz="2000" dirty="0"/>
               <a:t> 熟练使用数据结构和算法，掌握高级数据结构和算法的使用场景，如</a:t>
             </a:r>
             <a:r>
-              <a:rPr kumimoji="1" lang="zh-CN" altLang="en-US" sz="2400" dirty="0">
-                <a:sym typeface="+mn-ea"/>
-              </a:rPr>
-              <a:t>贪心 图 动态规划 线段树</a:t>
-            </a:r>
-            <a:r>
-              <a:rPr kumimoji="1" lang="en-US" altLang="zh-CN" sz="2400" dirty="0">
+              <a:rPr kumimoji="1" lang="zh-CN" altLang="en-US" sz="2000" dirty="0">
+                <a:sym typeface="+mn-ea"/>
+              </a:rPr>
+              <a:t>贪心 图 动态规划 树状数组</a:t>
+            </a:r>
+            <a:r>
+              <a:rPr kumimoji="1" lang="en-US" altLang="zh-CN" sz="2000" dirty="0">
                 <a:sym typeface="+mn-ea"/>
               </a:rPr>
               <a:t> </a:t>
             </a:r>
             <a:r>
-              <a:rPr kumimoji="1" lang="zh-CN" altLang="en-US" sz="2400" dirty="0">
-                <a:sym typeface="+mn-ea"/>
-              </a:rPr>
-              <a:t>红黑树</a:t>
-            </a:r>
-            <a:r>
-              <a:rPr kumimoji="1" lang="en-US" altLang="zh-CN" sz="2400" dirty="0">
+              <a:rPr kumimoji="1" lang="zh-CN" altLang="en-US" sz="2000" dirty="0">
+                <a:sym typeface="+mn-ea"/>
+              </a:rPr>
+              <a:t>并查集等</a:t>
+            </a:r>
+            <a:r>
+              <a:rPr kumimoji="1" lang="en-US" altLang="zh-CN" sz="2000" dirty="0">
                 <a:sym typeface="+mn-ea"/>
               </a:rPr>
               <a:t> </a:t>
             </a:r>
             <a:r>
-              <a:rPr kumimoji="1" lang="zh-CN" altLang="en-US" sz="2400" dirty="0"/>
-              <a:t>，掌握降低时间复杂度的优化方法</a:t>
+              <a:rPr kumimoji="1" lang="zh-CN" altLang="en-US" sz="2000" dirty="0"/>
+              <a:t>，掌握降低时间复杂度的优化方法。</a:t>
+            </a:r>
+            <a:endParaRPr kumimoji="1" lang="zh-CN" altLang="en-US" sz="2000" dirty="0"/>
+          </a:p>
+          <a:p>
+            <a:r>
+              <a:rPr kumimoji="1" lang="en-US" altLang="zh-CN" sz="2000" dirty="0"/>
+              <a:t>2.</a:t>
+            </a:r>
+            <a:r>
+              <a:rPr kumimoji="1" lang="zh-CN" altLang="en-US" sz="2000" dirty="0"/>
+              <a:t> 熟练编码能力和调试能力，尽可能肉眼</a:t>
+            </a:r>
+            <a:r>
+              <a:rPr kumimoji="1" lang="en-US" altLang="zh-CN" sz="2000" dirty="0"/>
+              <a:t> debug</a:t>
+            </a:r>
+            <a:r>
+              <a:rPr kumimoji="1" lang="zh-CN" altLang="en-US" sz="2000" dirty="0"/>
+              <a:t>。</a:t>
             </a:r>
             <a:br>
-              <a:rPr kumimoji="1" lang="en-US" altLang="zh-CN" sz="2400" dirty="0"/>
+              <a:rPr kumimoji="1" lang="zh-CN" altLang="en-US" sz="2000" dirty="0"/>
             </a:br>
             <a:r>
-              <a:rPr kumimoji="1" lang="en-US" altLang="zh-CN" sz="2400" dirty="0"/>
-              <a:t>2.</a:t>
-            </a:r>
-            <a:r>
-              <a:rPr kumimoji="1" lang="zh-CN" altLang="en-US" sz="2400" dirty="0"/>
-              <a:t> 熟练编码能力和调试能力。</a:t>
-            </a:r>
-            <a:br>
-              <a:rPr kumimoji="1" lang="zh-CN" altLang="en-US" sz="2400" dirty="0"/>
-            </a:br>
-            <a:r>
-              <a:rPr kumimoji="1" lang="en-US" altLang="zh-CN" sz="2400" dirty="0"/>
+              <a:rPr kumimoji="1" lang="en-US" altLang="zh-CN" sz="2000" dirty="0"/>
               <a:t>3. </a:t>
             </a:r>
             <a:r>
-              <a:rPr kumimoji="1" lang="zh-CN" altLang="en-US" sz="2400" dirty="0"/>
+              <a:rPr kumimoji="1" lang="zh-CN" altLang="en-US" sz="2000" dirty="0"/>
               <a:t>力扣竞赛分</a:t>
             </a:r>
             <a:r>
-              <a:rPr kumimoji="1" lang="en-US" altLang="zh-CN" sz="2400" dirty="0"/>
-              <a:t> 1900 </a:t>
-            </a:r>
-            <a:r>
-              <a:rPr kumimoji="1" lang="zh-CN" altLang="en-US" sz="2400" dirty="0"/>
+              <a:rPr kumimoji="1" lang="en-US" altLang="zh-CN" sz="2000" dirty="0"/>
+              <a:t>1800-2000 </a:t>
+            </a:r>
+            <a:r>
+              <a:rPr kumimoji="1" lang="zh-CN" altLang="en-US" sz="2000" dirty="0"/>
               <a:t>分，此时可以面</a:t>
             </a:r>
             <a:r>
-              <a:rPr kumimoji="1" lang="en-US" altLang="zh-CN" sz="2400" dirty="0"/>
+              <a:rPr kumimoji="1" lang="en-US" altLang="zh-CN" sz="2000" dirty="0"/>
               <a:t> 90% </a:t>
             </a:r>
             <a:r>
-              <a:rPr kumimoji="1" lang="zh-CN" altLang="en-US" sz="2400" dirty="0"/>
-              <a:t>以上的</a:t>
-            </a:r>
-            <a:r>
-              <a:rPr kumimoji="1" lang="zh-CN" altLang="en-US" sz="2400" dirty="0"/>
-              <a:t>公司</a:t>
-            </a:r>
-            <a:endParaRPr kumimoji="1" lang="zh-CN" altLang="en-US" sz="2400" dirty="0"/>
-          </a:p>
-          <a:p>
-            <a:endParaRPr kumimoji="1" lang="zh-CN" altLang="en-US" sz="2400" dirty="0"/>
+              <a:rPr kumimoji="1" lang="zh-CN" altLang="en-US" sz="2000" dirty="0"/>
+              <a:t>以上的公司</a:t>
+            </a:r>
+            <a:endParaRPr kumimoji="1" lang="zh-CN" altLang="en-US" sz="2000" dirty="0"/>
+          </a:p>
+          <a:p>
+            <a:endParaRPr kumimoji="1" lang="zh-CN" altLang="en-US" sz="2000" dirty="0"/>
           </a:p>
         </p:txBody>
       </p:sp>
@@ -4200,8 +4378,8 @@
         </p:nvSpPr>
         <p:spPr>
           <a:xfrm>
-            <a:off x="711447" y="3840473"/>
-            <a:ext cx="1107996" cy="646331"/>
+            <a:off x="265677" y="4486903"/>
+            <a:ext cx="995680" cy="583565"/>
           </a:xfrm>
           <a:prstGeom prst="rect">
             <a:avLst/>
@@ -4215,10 +4393,10 @@
           <a:lstStyle/>
           <a:p>
             <a:r>
-              <a:rPr kumimoji="1" lang="zh-CN" altLang="en-US" sz="3600" dirty="0"/>
+              <a:rPr kumimoji="1" lang="zh-CN" altLang="en-US" sz="3200" dirty="0"/>
               <a:t>能力</a:t>
             </a:r>
-            <a:endParaRPr kumimoji="1" lang="zh-CN" altLang="en-US" sz="3600" dirty="0"/>
+            <a:endParaRPr kumimoji="1" lang="zh-CN" altLang="en-US" sz="3200" dirty="0"/>
           </a:p>
         </p:txBody>
       </p:sp>
@@ -4230,8 +4408,8 @@
         </p:nvSpPr>
         <p:spPr>
           <a:xfrm>
-            <a:off x="402443" y="91148"/>
-            <a:ext cx="2441694" cy="769441"/>
+            <a:off x="265283" y="27013"/>
+            <a:ext cx="3930015" cy="768350"/>
           </a:xfrm>
           <a:prstGeom prst="rect">
             <a:avLst/>
@@ -4248,6 +4426,14 @@
               <a:rPr kumimoji="1" lang="zh-CN" altLang="en-US" sz="4400" dirty="0"/>
               <a:t>算法提高</a:t>
             </a:r>
+            <a:r>
+              <a:rPr kumimoji="1" lang="en-US" altLang="zh-CN" sz="4400" dirty="0"/>
+              <a:t>-</a:t>
+            </a:r>
+            <a:r>
+              <a:rPr kumimoji="1" lang="zh-CN" altLang="en-US" sz="4400" dirty="0"/>
+              <a:t>半年</a:t>
+            </a:r>
             <a:endParaRPr kumimoji="1" lang="zh-CN" altLang="en-US" sz="4400" dirty="0"/>
           </a:p>
         </p:txBody>
@@ -4260,7 +4446,7 @@
         </p:nvSpPr>
         <p:spPr>
           <a:xfrm>
-            <a:off x="711200" y="949960"/>
+            <a:off x="265430" y="805180"/>
             <a:ext cx="11122025" cy="368300"/>
           </a:xfrm>
           <a:prstGeom prst="rect">
@@ -4275,7 +4461,25 @@
           <a:p>
             <a:r>
               <a:rPr lang="zh-CN" altLang="en-US"/>
-              <a:t>该阶段主要锻炼独立解题能力，分析能力，力争做到知其然且知其所以然，</a:t>
+              <a:t>该阶段主要锻炼</a:t>
+            </a:r>
+            <a:r>
+              <a:rPr lang="zh-CN" altLang="en-US">
+                <a:solidFill>
+                  <a:srgbClr val="FF0000"/>
+                </a:solidFill>
+              </a:rPr>
+              <a:t>独立解题能力</a:t>
+            </a:r>
+            <a:r>
+              <a:rPr lang="zh-CN" altLang="en-US"/>
+              <a:t>，应用前一阶段学习到的基础知识</a:t>
+            </a:r>
+            <a:r>
+              <a:rPr kumimoji="1" lang="en-US" altLang="zh-CN" dirty="0">
+                <a:sym typeface="+mn-ea"/>
+              </a:rPr>
+              <a:t>注重分析思路，思路对了，考验编码能力</a:t>
             </a:r>
             <a:endParaRPr kumimoji="1" lang="en-US" altLang="zh-CN" dirty="0">
               <a:sym typeface="+mn-ea"/>
@@ -4316,7 +4520,7 @@
         </p:nvSpPr>
         <p:spPr>
           <a:xfrm>
-            <a:off x="885706" y="1717976"/>
+            <a:off x="561221" y="1773856"/>
             <a:ext cx="4536187" cy="829945"/>
           </a:xfrm>
           <a:prstGeom prst="rect">
@@ -4377,7 +4581,7 @@
         </p:nvSpPr>
         <p:spPr>
           <a:xfrm>
-            <a:off x="927347" y="1090812"/>
+            <a:off x="602862" y="1146692"/>
             <a:ext cx="1107996" cy="646331"/>
           </a:xfrm>
           <a:prstGeom prst="rect">
@@ -4407,7 +4611,7 @@
         </p:nvSpPr>
         <p:spPr>
           <a:xfrm>
-            <a:off x="5746512" y="3037317"/>
+            <a:off x="5422027" y="3093197"/>
             <a:ext cx="184731" cy="830997"/>
           </a:xfrm>
           <a:prstGeom prst="rect">
@@ -4436,8 +4640,8 @@
         </p:nvSpPr>
         <p:spPr>
           <a:xfrm>
-            <a:off x="982637" y="3936739"/>
-            <a:ext cx="9712480" cy="1198880"/>
+            <a:off x="657860" y="3992880"/>
+            <a:ext cx="10705465" cy="1014730"/>
           </a:xfrm>
           <a:prstGeom prst="rect">
             <a:avLst/>
@@ -4451,31 +4655,33 @@
           <a:lstStyle/>
           <a:p>
             <a:r>
-              <a:rPr kumimoji="1" lang="zh-CN" altLang="en-US" sz="2400" dirty="0"/>
-              <a:t>此时已经基本掌握所有的力扣所用到的数据结构与算法，有精力可以进一步学习数学知识，保持做题，保持思维</a:t>
+              <a:rPr kumimoji="1" lang="zh-CN" altLang="en-US" sz="2000" dirty="0"/>
+              <a:t>此时已经基本掌握所有的力扣所用到的数据结构与算法，有精力可以进一步学习数学知识，保持做题，保持思维，保持手感。</a:t>
             </a:r>
             <a:br>
-              <a:rPr kumimoji="1" lang="en-US" altLang="zh-CN" sz="2400" dirty="0"/>
+              <a:rPr kumimoji="1" lang="en-US" altLang="zh-CN" sz="2000" dirty="0"/>
             </a:br>
             <a:r>
-              <a:rPr kumimoji="1" lang="zh-CN" altLang="en-US" sz="2400" dirty="0">
+              <a:rPr kumimoji="1" lang="zh-CN" altLang="en-US" sz="2000" dirty="0">
                 <a:sym typeface="+mn-ea"/>
               </a:rPr>
               <a:t>此时可以面</a:t>
             </a:r>
             <a:r>
-              <a:rPr kumimoji="1" lang="en-US" altLang="zh-CN" sz="2400" dirty="0">
+              <a:rPr kumimoji="1" lang="en-US" altLang="zh-CN" sz="2000" dirty="0">
                 <a:sym typeface="+mn-ea"/>
               </a:rPr>
               <a:t> 100% </a:t>
             </a:r>
             <a:r>
-              <a:rPr kumimoji="1" lang="zh-CN" altLang="en-US" sz="2400" dirty="0">
+              <a:rPr kumimoji="1" lang="zh-CN" altLang="en-US" sz="2000" dirty="0">
                 <a:sym typeface="+mn-ea"/>
               </a:rPr>
               <a:t>的公司</a:t>
             </a:r>
-            <a:endParaRPr kumimoji="1" lang="zh-CN" altLang="en-US" sz="2400" dirty="0"/>
+            <a:endParaRPr kumimoji="1" lang="zh-CN" altLang="en-US" sz="2000" dirty="0">
+              <a:sym typeface="+mn-ea"/>
+            </a:endParaRPr>
           </a:p>
         </p:txBody>
       </p:sp>
@@ -4487,7 +4693,7 @@
         </p:nvSpPr>
         <p:spPr>
           <a:xfrm>
-            <a:off x="927982" y="3221983"/>
+            <a:off x="603497" y="3277863"/>
             <a:ext cx="1107996" cy="646331"/>
           </a:xfrm>
           <a:prstGeom prst="rect">
@@ -4518,7 +4724,7 @@
         <p:spPr>
           <a:xfrm>
             <a:off x="402443" y="91148"/>
-            <a:ext cx="2441694" cy="769441"/>
+            <a:ext cx="3930015" cy="768350"/>
           </a:xfrm>
           <a:prstGeom prst="rect">
             <a:avLst/>
@@ -4534,6 +4740,14 @@
             <a:r>
               <a:rPr kumimoji="1" lang="zh-CN" altLang="en-US" sz="4400" dirty="0"/>
               <a:t>算法进阶</a:t>
+            </a:r>
+            <a:r>
+              <a:rPr kumimoji="1" lang="en-US" altLang="zh-CN" sz="4400" dirty="0"/>
+              <a:t>-</a:t>
+            </a:r>
+            <a:r>
+              <a:rPr kumimoji="1" lang="zh-CN" altLang="en-US" sz="4400" dirty="0"/>
+              <a:t>持续</a:t>
             </a:r>
             <a:endParaRPr kumimoji="1" lang="zh-CN" altLang="en-US" sz="4400" dirty="0"/>
           </a:p>
@@ -4567,17 +4781,18 @@
             <p:ph type="title"/>
           </p:nvPr>
         </p:nvSpPr>
-        <p:spPr/>
+        <p:spPr>
+          <a:xfrm>
+            <a:off x="148590" y="0"/>
+            <a:ext cx="10515600" cy="1325563"/>
+          </a:xfrm>
+        </p:spPr>
         <p:txBody>
           <a:bodyPr/>
           <a:p>
             <a:r>
               <a:rPr lang="zh-CN" altLang="en-US"/>
-              <a:t>学习</a:t>
-            </a:r>
-            <a:r>
-              <a:rPr lang="zh-CN" altLang="en-US"/>
-              <a:t>资料</a:t>
+              <a:t>学习经验</a:t>
             </a:r>
             <a:endParaRPr lang="zh-CN" altLang="en-US"/>
           </a:p>
@@ -4585,14 +4800,14 @@
       </p:sp>
       <p:sp>
         <p:nvSpPr>
-          <p:cNvPr id="5" name="文本框 4"/>
+          <p:cNvPr id="4" name="文本框 3"/>
           <p:cNvSpPr txBox="1"/>
           <p:nvPr/>
         </p:nvSpPr>
         <p:spPr>
           <a:xfrm>
-            <a:off x="1005840" y="1607820"/>
-            <a:ext cx="10634345" cy="2430145"/>
+            <a:off x="510540" y="1174115"/>
+            <a:ext cx="9244330" cy="5354320"/>
           </a:xfrm>
           <a:prstGeom prst="rect">
             <a:avLst/>
@@ -4600,6 +4815,361 @@
           <a:noFill/>
         </p:spPr>
         <p:txBody>
+          <a:bodyPr wrap="square" rtlCol="0">
+            <a:spAutoFit/>
+          </a:bodyPr>
+          <a:p>
+            <a:r>
+              <a:rPr lang="zh-CN" altLang="en-US"/>
+              <a:t>经验总结</a:t>
+            </a:r>
+            <a:br>
+              <a:rPr lang="zh-CN" altLang="en-US"/>
+            </a:br>
+            <a:r>
+              <a:rPr lang="en-US" altLang="zh-CN"/>
+              <a:t>	</a:t>
+            </a:r>
+            <a:r>
+              <a:rPr lang="zh-CN" altLang="en-US"/>
+              <a:t>定时总结</a:t>
+            </a:r>
+            <a:r>
+              <a:rPr lang="en-US" altLang="zh-CN"/>
+              <a:t>学习经验</a:t>
+            </a:r>
+            <a:r>
+              <a:rPr lang="zh-CN" altLang="en-US"/>
+              <a:t>，</a:t>
+            </a:r>
+            <a:r>
+              <a:rPr lang="zh-CN" altLang="en-US"/>
+              <a:t>及时制定和调整学习</a:t>
+            </a:r>
+            <a:r>
+              <a:rPr lang="en-US" altLang="zh-CN"/>
+              <a:t>计划</a:t>
+            </a:r>
+            <a:endParaRPr lang="en-US" altLang="zh-CN">
+              <a:solidFill>
+                <a:srgbClr val="FF0000"/>
+              </a:solidFill>
+            </a:endParaRPr>
+          </a:p>
+          <a:p>
+            <a:r>
+              <a:rPr lang="en-US" altLang="zh-CN"/>
+              <a:t>知识总结</a:t>
+            </a:r>
+            <a:endParaRPr lang="en-US" altLang="zh-CN"/>
+          </a:p>
+          <a:p>
+            <a:pPr marL="457200" lvl="1" indent="457200"/>
+            <a:r>
+              <a:rPr lang="en-US" altLang="zh-CN"/>
+              <a:t>提高对基础知识的理解深度</a:t>
+            </a:r>
+            <a:endParaRPr lang="en-US" altLang="zh-CN"/>
+          </a:p>
+          <a:p>
+            <a:pPr marL="457200" lvl="1" indent="457200"/>
+            <a:r>
+              <a:rPr lang="zh-CN" altLang="en-US"/>
+              <a:t>补足薄弱项</a:t>
+            </a:r>
+            <a:endParaRPr lang="zh-CN" altLang="en-US"/>
+          </a:p>
+          <a:p>
+            <a:pPr marL="457200" lvl="1" indent="457200"/>
+            <a:r>
+              <a:rPr lang="zh-CN" altLang="en-US"/>
+              <a:t>基础的算法模型</a:t>
+            </a:r>
+            <a:r>
+              <a:rPr lang="zh-CN" altLang="en-US"/>
+              <a:t>有</a:t>
+            </a:r>
+            <a:endParaRPr lang="zh-CN" altLang="en-US"/>
+          </a:p>
+          <a:p>
+            <a:pPr marL="914400" lvl="2" indent="457200"/>
+            <a:r>
+              <a:rPr lang="zh-CN" altLang="en-US"/>
+              <a:t>  全排列</a:t>
+            </a:r>
+            <a:endParaRPr lang="zh-CN" altLang="en-US"/>
+          </a:p>
+          <a:p>
+            <a:pPr marL="914400" lvl="2" indent="457200"/>
+            <a:r>
+              <a:rPr lang="zh-CN" altLang="en-US"/>
+              <a:t>  排序模型</a:t>
+            </a:r>
+            <a:endParaRPr lang="zh-CN" altLang="en-US"/>
+          </a:p>
+          <a:p>
+            <a:pPr marL="914400" lvl="2" indent="457200"/>
+            <a:r>
+              <a:rPr lang="zh-CN" altLang="en-US"/>
+              <a:t>  边界模型 二分 单调栈 TreeMap 优先堆 </a:t>
+            </a:r>
+            <a:endParaRPr lang="zh-CN" altLang="en-US"/>
+          </a:p>
+          <a:p>
+            <a:pPr marL="914400" lvl="2" indent="457200"/>
+            <a:r>
+              <a:rPr lang="zh-CN" altLang="en-US"/>
+              <a:t>  搜索模型 dfs bfs 回溯</a:t>
+            </a:r>
+            <a:endParaRPr lang="zh-CN" altLang="en-US"/>
+          </a:p>
+          <a:p>
+            <a:pPr marL="0" lvl="2" indent="457200"/>
+            <a:r>
+              <a:rPr lang="zh-CN" altLang="en-US"/>
+              <a:t> </a:t>
+            </a:r>
+            <a:r>
+              <a:rPr lang="en-US" altLang="zh-CN"/>
+              <a:t> 	      DP </a:t>
+            </a:r>
+            <a:r>
+              <a:rPr lang="zh-CN" altLang="en-US"/>
+              <a:t>模型：</a:t>
+            </a:r>
+            <a:r>
+              <a:rPr lang="en-US" altLang="zh-CN"/>
+              <a:t>LIS</a:t>
+            </a:r>
+            <a:r>
+              <a:rPr lang="zh-CN" altLang="en-US"/>
+              <a:t>，数位</a:t>
+            </a:r>
+            <a:r>
+              <a:rPr lang="en-US" altLang="zh-CN"/>
+              <a:t> DP </a:t>
+            </a:r>
+            <a:r>
+              <a:rPr lang="zh-CN" altLang="en-US">
+                <a:sym typeface="+mn-ea"/>
+              </a:rPr>
+              <a:t>背包模型</a:t>
+            </a:r>
+            <a:endParaRPr lang="zh-CN" altLang="en-US">
+              <a:sym typeface="+mn-ea"/>
+            </a:endParaRPr>
+          </a:p>
+          <a:p>
+            <a:pPr marL="914400" lvl="4" indent="457200"/>
+            <a:r>
+              <a:rPr lang="zh-CN" altLang="en-US">
+                <a:sym typeface="+mn-ea"/>
+              </a:rPr>
+              <a:t> </a:t>
+            </a:r>
+            <a:r>
+              <a:rPr lang="en-US" altLang="zh-CN">
+                <a:sym typeface="+mn-ea"/>
+              </a:rPr>
+              <a:t> </a:t>
+            </a:r>
+            <a:r>
+              <a:rPr lang="zh-CN" altLang="en-US">
+                <a:sym typeface="+mn-ea"/>
+              </a:rPr>
+              <a:t>图模型</a:t>
+            </a:r>
+            <a:endParaRPr lang="zh-CN" altLang="en-US"/>
+          </a:p>
+          <a:p>
+            <a:pPr marL="914400" lvl="2" indent="457200"/>
+            <a:r>
+              <a:rPr lang="zh-CN" altLang="en-US"/>
+              <a:t>  牢记具有代表性的时间复杂度</a:t>
+            </a:r>
+            <a:r>
+              <a:rPr lang="zh-CN" altLang="en-US"/>
+              <a:t>的算法</a:t>
+            </a:r>
+            <a:endParaRPr lang="zh-CN" altLang="en-US"/>
+          </a:p>
+          <a:p>
+            <a:pPr marL="0" lvl="0" indent="0"/>
+            <a:r>
+              <a:rPr lang="zh-CN" altLang="en-US"/>
+              <a:t>题目总结</a:t>
+            </a:r>
+            <a:endParaRPr lang="zh-CN" altLang="en-US"/>
+          </a:p>
+          <a:p>
+            <a:pPr marL="457200" lvl="1" indent="457200"/>
+            <a:r>
+              <a:rPr lang="zh-CN" altLang="en-US"/>
+              <a:t>建立题目与题目之间的联系，</a:t>
+            </a:r>
+            <a:r>
+              <a:rPr lang="zh-CN" altLang="en-US">
+                <a:sym typeface="+mn-ea"/>
+              </a:rPr>
+              <a:t>形成自己的解题套路</a:t>
+            </a:r>
+            <a:endParaRPr lang="zh-CN" altLang="en-US">
+              <a:sym typeface="+mn-ea"/>
+            </a:endParaRPr>
+          </a:p>
+          <a:p>
+            <a:pPr marL="457200" lvl="1" indent="457200"/>
+            <a:r>
+              <a:rPr lang="en-US" altLang="zh-CN">
+                <a:sym typeface="+mn-ea"/>
+              </a:rPr>
+              <a:t>周期性</a:t>
+            </a:r>
+            <a:r>
+              <a:rPr lang="zh-CN" altLang="en-US">
+                <a:sym typeface="+mn-ea"/>
+              </a:rPr>
+              <a:t>地做</a:t>
+            </a:r>
+            <a:r>
+              <a:rPr lang="en-US" altLang="zh-CN">
+                <a:sym typeface="+mn-ea"/>
+              </a:rPr>
+              <a:t>错题集</a:t>
+            </a:r>
+            <a:r>
+              <a:rPr lang="en-US" altLang="zh-CN">
+                <a:sym typeface="+mn-ea"/>
+              </a:rPr>
+              <a:t>，</a:t>
+            </a:r>
+            <a:r>
+              <a:rPr lang="en-US" altLang="zh-CN">
+                <a:solidFill>
+                  <a:srgbClr val="FF0000"/>
+                </a:solidFill>
+                <a:sym typeface="+mn-ea"/>
+              </a:rPr>
+              <a:t>不能总是刷同样的题目</a:t>
+            </a:r>
+            <a:r>
+              <a:rPr lang="zh-CN" altLang="en-US">
+                <a:solidFill>
+                  <a:srgbClr val="FF0000"/>
+                </a:solidFill>
+                <a:sym typeface="+mn-ea"/>
+              </a:rPr>
+              <a:t>，</a:t>
+            </a:r>
+            <a:r>
+              <a:rPr lang="en-US" altLang="zh-CN">
+                <a:solidFill>
+                  <a:srgbClr val="FF0000"/>
+                </a:solidFill>
+                <a:sym typeface="+mn-ea"/>
+              </a:rPr>
+              <a:t>不然就是背题。</a:t>
+            </a:r>
+            <a:endParaRPr lang="zh-CN" altLang="en-US"/>
+          </a:p>
+          <a:p>
+            <a:pPr marL="0" lvl="0" indent="0"/>
+            <a:r>
+              <a:rPr lang="zh-CN" altLang="en-US"/>
+              <a:t>纠正编程习惯</a:t>
+            </a:r>
+            <a:endParaRPr lang="zh-CN" altLang="en-US"/>
+          </a:p>
+          <a:p>
+            <a:pPr marL="457200" lvl="1" indent="457200"/>
+            <a:r>
+              <a:rPr lang="zh-CN" altLang="en-US"/>
+              <a:t>算法框架，命名，边界</a:t>
+            </a:r>
+            <a:r>
+              <a:rPr lang="zh-CN" altLang="en-US"/>
+              <a:t>处理等</a:t>
+            </a:r>
+            <a:endParaRPr lang="zh-CN" altLang="en-US"/>
+          </a:p>
+          <a:p>
+            <a:pPr marL="0" lvl="1" indent="457200"/>
+            <a:r>
+              <a:rPr lang="en-US" altLang="zh-CN">
+                <a:sym typeface="+mn-ea"/>
+              </a:rPr>
+              <a:t>    </a:t>
+            </a:r>
+            <a:endParaRPr lang="zh-CN" altLang="en-US"/>
+          </a:p>
+        </p:txBody>
+      </p:sp>
+    </p:spTree>
+  </p:cSld>
+  <p:clrMapOvr>
+    <a:masterClrMapping/>
+  </p:clrMapOvr>
+</p:sld>
+</file>
+
+<file path=ppt/slides/slide5.xml><?xml version="1.0" encoding="utf-8"?>
+<p:sld xmlns:a="http://schemas.openxmlformats.org/drawingml/2006/main" xmlns:r="http://schemas.openxmlformats.org/officeDocument/2006/relationships" xmlns:p="http://schemas.openxmlformats.org/presentationml/2006/main">
+  <p:cSld>
+    <p:spTree>
+      <p:nvGrpSpPr>
+        <p:cNvPr id="1" name=""/>
+        <p:cNvGrpSpPr/>
+        <p:nvPr/>
+      </p:nvGrpSpPr>
+      <p:grpSpPr/>
+      <p:sp>
+        <p:nvSpPr>
+          <p:cNvPr id="2" name="标题 1"/>
+          <p:cNvSpPr>
+            <a:spLocks noGrp="1"/>
+          </p:cNvSpPr>
+          <p:nvPr>
+            <p:ph type="title"/>
+          </p:nvPr>
+        </p:nvSpPr>
+        <p:spPr>
+          <a:xfrm>
+            <a:off x="255270" y="120015"/>
+            <a:ext cx="10515600" cy="1325563"/>
+          </a:xfrm>
+        </p:spPr>
+        <p:txBody>
+          <a:bodyPr/>
+          <a:p>
+            <a:r>
+              <a:rPr lang="zh-CN" altLang="en-US"/>
+              <a:t>学习</a:t>
+            </a:r>
+            <a:r>
+              <a:rPr lang="zh-CN" altLang="en-US"/>
+              <a:t>资料</a:t>
+            </a:r>
+            <a:endParaRPr lang="zh-CN" altLang="en-US"/>
+          </a:p>
+        </p:txBody>
+      </p:sp>
+      <p:sp>
+        <p:nvSpPr>
+          <p:cNvPr id="5" name="文本框 4"/>
+          <p:cNvSpPr txBox="1"/>
+          <p:nvPr/>
+        </p:nvSpPr>
+        <p:spPr>
+          <a:xfrm>
+            <a:off x="539115" y="1374140"/>
+            <a:ext cx="10634345" cy="1876425"/>
+          </a:xfrm>
+          <a:prstGeom prst="rect">
+            <a:avLst/>
+          </a:prstGeom>
+          <a:noFill/>
+        </p:spPr>
+        <p:txBody>
           <a:bodyPr wrap="square" rtlCol="0" anchor="t">
             <a:spAutoFit/>
           </a:bodyPr>
@@ -4628,12 +5198,22 @@
                 <a:sym typeface="+mn-ea"/>
               </a:rPr>
             </a:br>
-            <a:r>
+            <a:br>
               <a:rPr kumimoji="1" lang="zh-CN" altLang="en-US" sz="2000" dirty="0">
                 <a:sym typeface="+mn-ea"/>
-                <a:hlinkClick r:id="rId2"/>
-              </a:rPr>
-              <a:t>算法基础课</a:t>
+              </a:rPr>
+            </a:br>
+            <a:r>
+              <a:rPr kumimoji="1" lang="zh-CN" altLang="en-US" sz="2000" dirty="0">
+                <a:sym typeface="+mn-ea"/>
+              </a:rPr>
+              <a:t>《算法竞赛进阶</a:t>
+            </a:r>
+            <a:r>
+              <a:rPr kumimoji="1" lang="zh-CN" altLang="en-US" sz="2000" dirty="0">
+                <a:sym typeface="+mn-ea"/>
+              </a:rPr>
+              <a:t>指南》</a:t>
             </a:r>
             <a:br>
               <a:rPr kumimoji="1" lang="zh-CN" altLang="en-US" sz="2000" dirty="0">
@@ -4649,28 +5229,6 @@
               <a:rPr kumimoji="1" lang="zh-CN" altLang="en-US" sz="2000" dirty="0">
                 <a:sym typeface="+mn-ea"/>
               </a:rPr>
-              <a:t>《算法竞赛进阶</a:t>
-            </a:r>
-            <a:r>
-              <a:rPr kumimoji="1" lang="zh-CN" altLang="en-US" sz="2000" dirty="0">
-                <a:sym typeface="+mn-ea"/>
-              </a:rPr>
-              <a:t>指南》</a:t>
-            </a:r>
-            <a:br>
-              <a:rPr kumimoji="1" lang="zh-CN" altLang="en-US" sz="2000" dirty="0">
-                <a:sym typeface="+mn-ea"/>
-              </a:rPr>
-            </a:br>
-            <a:br>
-              <a:rPr kumimoji="1" lang="zh-CN" altLang="en-US" sz="2000" dirty="0">
-                <a:sym typeface="+mn-ea"/>
-              </a:rPr>
-            </a:br>
-            <a:r>
-              <a:rPr kumimoji="1" lang="zh-CN" altLang="en-US" sz="2000" dirty="0">
-                <a:sym typeface="+mn-ea"/>
-              </a:rPr>
               <a:t>高质量题解：</a:t>
             </a:r>
             <a:r>
@@ -4689,17 +5247,6 @@
                 <a:sym typeface="+mn-ea"/>
               </a:rPr>
               <a:t>https://github.com/wisdompeak/LeetCode</a:t>
-            </a:r>
-            <a:br>
-              <a:rPr kumimoji="1" lang="en-US" altLang="zh-CN" sz="1600" dirty="0">
-                <a:sym typeface="+mn-ea"/>
-              </a:rPr>
-            </a:br>
-            <a:r>
-              <a:rPr kumimoji="1" lang="en-US" altLang="zh-CN" sz="1600" dirty="0">
-                <a:sym typeface="+mn-ea"/>
-              </a:rPr>
-              <a:t>https://github.com/EndlessCheng/codeforces-go</a:t>
             </a:r>
             <a:endParaRPr kumimoji="1" lang="en-US" altLang="zh-CN" sz="1600" dirty="0">
               <a:sym typeface="+mn-ea"/>

--- a/xmind/刷题指南.pptx
+++ b/xmind/刷题指南.pptx
@@ -11,8 +11,9 @@
     <p:sldId id="256" r:id="rId3"/>
     <p:sldId id="258" r:id="rId5"/>
     <p:sldId id="259" r:id="rId6"/>
-    <p:sldId id="261" r:id="rId7"/>
-    <p:sldId id="260" r:id="rId8"/>
+    <p:sldId id="260" r:id="rId7"/>
+    <p:sldId id="261" r:id="rId8"/>
+    <p:sldId id="263" r:id="rId9"/>
   </p:sldIdLst>
   <p:sldSz cx="12192000" cy="6858000"/>
   <p:notesSz cx="6858000" cy="9144000"/>
@@ -3591,7 +3592,7 @@
         </p:nvSpPr>
         <p:spPr>
           <a:xfrm>
-            <a:off x="778510" y="5417820"/>
+            <a:off x="528320" y="5417820"/>
             <a:ext cx="10907395" cy="706755"/>
           </a:xfrm>
           <a:prstGeom prst="rect">
@@ -4536,7 +4537,7 @@
           <a:p>
             <a:r>
               <a:rPr kumimoji="1" lang="en-US" altLang="zh-CN" sz="2400" dirty="0"/>
-              <a:t>2000 </a:t>
+              <a:t>1.2000 </a:t>
             </a:r>
             <a:r>
               <a:rPr kumimoji="1" lang="zh-CN" altLang="en-US" sz="2400" dirty="0"/>
@@ -4557,6 +4558,10 @@
             <a:br>
               <a:rPr kumimoji="1" lang="en-US" altLang="zh-CN" sz="2400" dirty="0"/>
             </a:br>
+            <a:r>
+              <a:rPr kumimoji="1" lang="en-US" altLang="zh-CN" sz="2400" dirty="0"/>
+              <a:t>2.</a:t>
+            </a:r>
             <a:r>
               <a:rPr kumimoji="1" lang="zh-CN" altLang="en-US" sz="2400" dirty="0"/>
               <a:t>多做</a:t>
@@ -4656,7 +4661,29 @@
           <a:p>
             <a:r>
               <a:rPr kumimoji="1" lang="zh-CN" altLang="en-US" sz="2000" dirty="0"/>
-              <a:t>此时已经基本掌握所有的力扣所用到的数据结构与算法，有精力可以进一步学习数学知识，保持做题，保持思维，保持手感。</a:t>
+              <a:t>已经基本掌握所有的力扣</a:t>
+            </a:r>
+            <a:r>
+              <a:rPr kumimoji="1" lang="en-US" altLang="zh-CN" sz="2000" dirty="0"/>
+              <a:t>/</a:t>
+            </a:r>
+            <a:r>
+              <a:rPr kumimoji="1" lang="zh-CN" altLang="en-US" sz="2000" dirty="0"/>
+              <a:t>面试所用到的数据结构与算法，有精力可以进一步学习数学知识，</a:t>
+            </a:r>
+            <a:r>
+              <a:rPr kumimoji="1" lang="zh-CN" altLang="en-US" sz="2000" dirty="0"/>
+              <a:t>并保持</a:t>
+            </a:r>
+            <a:r>
+              <a:rPr kumimoji="1" lang="zh-CN" altLang="en-US" sz="2000" dirty="0">
+                <a:sym typeface="+mn-ea"/>
+              </a:rPr>
+              <a:t>做题</a:t>
+            </a:r>
+            <a:r>
+              <a:rPr kumimoji="1" lang="zh-CN" altLang="en-US" sz="2000" dirty="0"/>
+              <a:t>手感。</a:t>
             </a:r>
             <a:br>
               <a:rPr kumimoji="1" lang="en-US" altLang="zh-CN" sz="2000" dirty="0"/>
@@ -4783,7 +4810,7 @@
         </p:nvSpPr>
         <p:spPr>
           <a:xfrm>
-            <a:off x="148590" y="0"/>
+            <a:off x="255270" y="120015"/>
             <a:ext cx="10515600" cy="1325563"/>
           </a:xfrm>
         </p:spPr>
@@ -4792,7 +4819,11 @@
           <a:p>
             <a:r>
               <a:rPr lang="zh-CN" altLang="en-US"/>
-              <a:t>学习经验</a:t>
+              <a:t>学习</a:t>
+            </a:r>
+            <a:r>
+              <a:rPr lang="zh-CN" altLang="en-US"/>
+              <a:t>资料</a:t>
             </a:r>
             <a:endParaRPr lang="zh-CN" altLang="en-US"/>
           </a:p>
@@ -4800,14 +4831,14 @@
       </p:sp>
       <p:sp>
         <p:nvSpPr>
-          <p:cNvPr id="4" name="文本框 3"/>
+          <p:cNvPr id="5" name="文本框 4"/>
           <p:cNvSpPr txBox="1"/>
           <p:nvPr/>
         </p:nvSpPr>
         <p:spPr>
           <a:xfrm>
-            <a:off x="510540" y="1174115"/>
-            <a:ext cx="9244330" cy="5354320"/>
+            <a:off x="539115" y="1374140"/>
+            <a:ext cx="10634345" cy="1876425"/>
           </a:xfrm>
           <a:prstGeom prst="rect">
             <a:avLst/>
@@ -4815,292 +4846,87 @@
           <a:noFill/>
         </p:spPr>
         <p:txBody>
-          <a:bodyPr wrap="square" rtlCol="0">
+          <a:bodyPr wrap="square" rtlCol="0" anchor="t">
             <a:spAutoFit/>
           </a:bodyPr>
           <a:p>
             <a:r>
-              <a:rPr lang="zh-CN" altLang="en-US"/>
-              <a:t>经验总结</a:t>
+              <a:rPr kumimoji="1" lang="zh-CN" altLang="en-US" sz="2000" dirty="0">
+                <a:sym typeface="+mn-ea"/>
+                <a:hlinkClick r:id="rId1"/>
+              </a:rPr>
+              <a:t>拉不拉东</a:t>
+            </a:r>
+            <a:r>
+              <a:rPr kumimoji="1" lang="en-US" altLang="zh-CN" sz="2000" dirty="0">
+                <a:sym typeface="+mn-ea"/>
+              </a:rPr>
+              <a:t> </a:t>
+            </a:r>
+            <a:r>
+              <a:rPr kumimoji="1" lang="en-US" altLang="zh-CN" sz="1600" dirty="0">
+                <a:sym typeface="+mn-ea"/>
+              </a:rPr>
+              <a:t>https://labuladong.github.io/algo/di-ling-zh-bfe1b/xue-xi-sua-01220/</a:t>
             </a:r>
             <a:br>
-              <a:rPr lang="zh-CN" altLang="en-US"/>
+              <a:rPr kumimoji="1" lang="zh-CN" altLang="en-US" sz="2000" dirty="0">
+                <a:sym typeface="+mn-ea"/>
+              </a:rPr>
             </a:br>
-            <a:r>
-              <a:rPr lang="en-US" altLang="zh-CN"/>
-              <a:t>	</a:t>
-            </a:r>
-            <a:r>
-              <a:rPr lang="zh-CN" altLang="en-US"/>
-              <a:t>定时总结</a:t>
-            </a:r>
-            <a:r>
-              <a:rPr lang="en-US" altLang="zh-CN"/>
-              <a:t>学习经验</a:t>
-            </a:r>
-            <a:r>
-              <a:rPr lang="zh-CN" altLang="en-US"/>
-              <a:t>，</a:t>
-            </a:r>
-            <a:r>
-              <a:rPr lang="zh-CN" altLang="en-US"/>
-              <a:t>及时制定和调整学习</a:t>
-            </a:r>
-            <a:r>
-              <a:rPr lang="en-US" altLang="zh-CN"/>
-              <a:t>计划</a:t>
-            </a:r>
-            <a:endParaRPr lang="en-US" altLang="zh-CN">
-              <a:solidFill>
-                <a:srgbClr val="FF0000"/>
-              </a:solidFill>
-            </a:endParaRPr>
-          </a:p>
-          <a:p>
-            <a:r>
-              <a:rPr lang="en-US" altLang="zh-CN"/>
-              <a:t>知识总结</a:t>
-            </a:r>
-            <a:endParaRPr lang="en-US" altLang="zh-CN"/>
-          </a:p>
-          <a:p>
-            <a:pPr marL="457200" lvl="1" indent="457200"/>
-            <a:r>
-              <a:rPr lang="en-US" altLang="zh-CN"/>
-              <a:t>提高对基础知识的理解深度</a:t>
-            </a:r>
-            <a:endParaRPr lang="en-US" altLang="zh-CN"/>
-          </a:p>
-          <a:p>
-            <a:pPr marL="457200" lvl="1" indent="457200"/>
-            <a:r>
-              <a:rPr lang="zh-CN" altLang="en-US"/>
-              <a:t>补足薄弱项</a:t>
-            </a:r>
-            <a:endParaRPr lang="zh-CN" altLang="en-US"/>
-          </a:p>
-          <a:p>
-            <a:pPr marL="457200" lvl="1" indent="457200"/>
-            <a:r>
-              <a:rPr lang="zh-CN" altLang="en-US"/>
-              <a:t>基础的算法模型</a:t>
-            </a:r>
-            <a:r>
-              <a:rPr lang="zh-CN" altLang="en-US"/>
-              <a:t>有</a:t>
-            </a:r>
-            <a:endParaRPr lang="zh-CN" altLang="en-US"/>
-          </a:p>
-          <a:p>
-            <a:pPr marL="914400" lvl="2" indent="457200"/>
-            <a:r>
-              <a:rPr lang="zh-CN" altLang="en-US"/>
-              <a:t>  全排列</a:t>
-            </a:r>
-            <a:endParaRPr lang="zh-CN" altLang="en-US"/>
-          </a:p>
-          <a:p>
-            <a:pPr marL="914400" lvl="2" indent="457200"/>
-            <a:r>
-              <a:rPr lang="zh-CN" altLang="en-US"/>
-              <a:t>  排序模型</a:t>
-            </a:r>
-            <a:endParaRPr lang="zh-CN" altLang="en-US"/>
-          </a:p>
-          <a:p>
-            <a:pPr marL="914400" lvl="2" indent="457200"/>
-            <a:r>
-              <a:rPr lang="zh-CN" altLang="en-US"/>
-              <a:t>  边界模型 二分 单调栈 TreeMap 优先堆 </a:t>
-            </a:r>
-            <a:endParaRPr lang="zh-CN" altLang="en-US"/>
-          </a:p>
-          <a:p>
-            <a:pPr marL="914400" lvl="2" indent="457200"/>
-            <a:r>
-              <a:rPr lang="zh-CN" altLang="en-US"/>
-              <a:t>  搜索模型 dfs bfs 回溯</a:t>
-            </a:r>
-            <a:endParaRPr lang="zh-CN" altLang="en-US"/>
-          </a:p>
-          <a:p>
-            <a:pPr marL="0" lvl="2" indent="457200"/>
-            <a:r>
-              <a:rPr lang="zh-CN" altLang="en-US"/>
+            <a:br>
+              <a:rPr kumimoji="1" lang="zh-CN" altLang="en-US" sz="2000" dirty="0">
+                <a:sym typeface="+mn-ea"/>
+              </a:rPr>
+            </a:br>
+            <a:r>
+              <a:rPr kumimoji="1" lang="zh-CN" altLang="en-US" sz="2000" dirty="0">
+                <a:sym typeface="+mn-ea"/>
+              </a:rPr>
+              <a:t>《算法竞赛进阶</a:t>
+            </a:r>
+            <a:r>
+              <a:rPr kumimoji="1" lang="zh-CN" altLang="en-US" sz="2000" dirty="0">
+                <a:sym typeface="+mn-ea"/>
+              </a:rPr>
+              <a:t>指南》</a:t>
+            </a:r>
+            <a:br>
+              <a:rPr kumimoji="1" lang="zh-CN" altLang="en-US" sz="2000" dirty="0">
+                <a:sym typeface="+mn-ea"/>
+              </a:rPr>
+            </a:br>
+            <a:br>
+              <a:rPr kumimoji="1" lang="zh-CN" altLang="en-US" sz="2000" dirty="0">
+                <a:sym typeface="+mn-ea"/>
+              </a:rPr>
+            </a:br>
+            <a:r>
+              <a:rPr kumimoji="1" lang="zh-CN" altLang="en-US" sz="2000" dirty="0">
+                <a:sym typeface="+mn-ea"/>
+              </a:rPr>
+              <a:t>高质量题解：</a:t>
+            </a:r>
+            <a:r>
+              <a:rPr kumimoji="1" lang="en-US" altLang="zh-CN" sz="2000" dirty="0">
+                <a:sym typeface="+mn-ea"/>
+              </a:rPr>
               <a:t> </a:t>
             </a:r>
-            <a:r>
-              <a:rPr lang="en-US" altLang="zh-CN"/>
-              <a:t> 	      DP </a:t>
-            </a:r>
-            <a:r>
-              <a:rPr lang="zh-CN" altLang="en-US"/>
-              <a:t>模型：</a:t>
-            </a:r>
-            <a:r>
-              <a:rPr lang="en-US" altLang="zh-CN"/>
-              <a:t>LIS</a:t>
-            </a:r>
-            <a:r>
-              <a:rPr lang="zh-CN" altLang="en-US"/>
-              <a:t>，数位</a:t>
-            </a:r>
-            <a:r>
-              <a:rPr lang="en-US" altLang="zh-CN"/>
-              <a:t> DP </a:t>
-            </a:r>
-            <a:r>
-              <a:rPr lang="zh-CN" altLang="en-US">
-                <a:sym typeface="+mn-ea"/>
-              </a:rPr>
-              <a:t>背包模型</a:t>
-            </a:r>
-            <a:endParaRPr lang="zh-CN" altLang="en-US">
+            <a:br>
+              <a:rPr kumimoji="1" lang="en-US" altLang="zh-CN" sz="2000" dirty="0">
+                <a:sym typeface="+mn-ea"/>
+              </a:rPr>
+            </a:br>
+            <a:r>
+              <a:rPr kumimoji="1" lang="en-US" altLang="zh-CN" sz="1600" dirty="0">
+                <a:sym typeface="+mn-ea"/>
+              </a:rPr>
+              <a:t>https://github.com/wisdompeak/LeetCode</a:t>
+            </a:r>
+            <a:endParaRPr kumimoji="1" lang="en-US" altLang="zh-CN" sz="1600" dirty="0">
               <a:sym typeface="+mn-ea"/>
             </a:endParaRPr>
-          </a:p>
-          <a:p>
-            <a:pPr marL="914400" lvl="4" indent="457200"/>
-            <a:r>
-              <a:rPr lang="zh-CN" altLang="en-US">
-                <a:sym typeface="+mn-ea"/>
-              </a:rPr>
-              <a:t> </a:t>
-            </a:r>
-            <a:r>
-              <a:rPr lang="en-US" altLang="zh-CN">
-                <a:sym typeface="+mn-ea"/>
-              </a:rPr>
-              <a:t> </a:t>
-            </a:r>
-            <a:r>
-              <a:rPr lang="zh-CN" altLang="en-US">
-                <a:sym typeface="+mn-ea"/>
-              </a:rPr>
-              <a:t>图模型</a:t>
-            </a:r>
-            <a:endParaRPr lang="zh-CN" altLang="en-US"/>
-          </a:p>
-          <a:p>
-            <a:pPr marL="914400" lvl="2" indent="457200"/>
-            <a:r>
-              <a:rPr lang="zh-CN" altLang="en-US"/>
-              <a:t>  牢记具有代表性的时间复杂度</a:t>
-            </a:r>
-            <a:r>
-              <a:rPr lang="zh-CN" altLang="en-US"/>
-              <a:t>的算法</a:t>
-            </a:r>
-            <a:endParaRPr lang="zh-CN" altLang="en-US"/>
-          </a:p>
-          <a:p>
-            <a:pPr marL="0" lvl="0" indent="0"/>
-            <a:r>
-              <a:rPr lang="zh-CN" altLang="en-US"/>
-              <a:t>题目总结</a:t>
-            </a:r>
-            <a:endParaRPr lang="zh-CN" altLang="en-US"/>
-          </a:p>
-          <a:p>
-            <a:pPr marL="457200" lvl="1" indent="457200"/>
-            <a:r>
-              <a:rPr lang="zh-CN" altLang="en-US"/>
-              <a:t>建立题目与题目之间的联系，</a:t>
-            </a:r>
-            <a:r>
-              <a:rPr lang="zh-CN" altLang="en-US">
-                <a:sym typeface="+mn-ea"/>
-              </a:rPr>
-              <a:t>形成自己的解题套路</a:t>
-            </a:r>
-            <a:endParaRPr lang="zh-CN" altLang="en-US">
-              <a:sym typeface="+mn-ea"/>
-            </a:endParaRPr>
-          </a:p>
-          <a:p>
-            <a:pPr marL="457200" lvl="1" indent="457200"/>
-            <a:r>
-              <a:rPr lang="en-US" altLang="zh-CN">
-                <a:sym typeface="+mn-ea"/>
-              </a:rPr>
-              <a:t>周期性</a:t>
-            </a:r>
-            <a:r>
-              <a:rPr lang="zh-CN" altLang="en-US">
-                <a:sym typeface="+mn-ea"/>
-              </a:rPr>
-              <a:t>地做</a:t>
-            </a:r>
-            <a:r>
-              <a:rPr lang="en-US" altLang="zh-CN">
-                <a:sym typeface="+mn-ea"/>
-              </a:rPr>
-              <a:t>错题集</a:t>
-            </a:r>
-            <a:r>
-              <a:rPr lang="en-US" altLang="zh-CN">
-                <a:sym typeface="+mn-ea"/>
-              </a:rPr>
-              <a:t>，</a:t>
-            </a:r>
-            <a:r>
-              <a:rPr lang="en-US" altLang="zh-CN">
-                <a:solidFill>
-                  <a:srgbClr val="FF0000"/>
-                </a:solidFill>
-                <a:sym typeface="+mn-ea"/>
-              </a:rPr>
-              <a:t>不能总是刷同样的题目</a:t>
-            </a:r>
-            <a:r>
-              <a:rPr lang="zh-CN" altLang="en-US">
-                <a:solidFill>
-                  <a:srgbClr val="FF0000"/>
-                </a:solidFill>
-                <a:sym typeface="+mn-ea"/>
-              </a:rPr>
-              <a:t>，</a:t>
-            </a:r>
-            <a:r>
-              <a:rPr lang="en-US" altLang="zh-CN">
-                <a:solidFill>
-                  <a:srgbClr val="FF0000"/>
-                </a:solidFill>
-                <a:sym typeface="+mn-ea"/>
-              </a:rPr>
-              <a:t>不然就是背题。</a:t>
-            </a:r>
-            <a:endParaRPr lang="zh-CN" altLang="en-US"/>
-          </a:p>
-          <a:p>
-            <a:pPr marL="0" lvl="0" indent="0"/>
-            <a:r>
-              <a:rPr lang="zh-CN" altLang="en-US"/>
-              <a:t>纠正编程习惯</a:t>
-            </a:r>
-            <a:endParaRPr lang="zh-CN" altLang="en-US"/>
-          </a:p>
-          <a:p>
-            <a:pPr marL="457200" lvl="1" indent="457200"/>
-            <a:r>
-              <a:rPr lang="zh-CN" altLang="en-US"/>
-              <a:t>算法框架，命名，边界</a:t>
-            </a:r>
-            <a:r>
-              <a:rPr lang="zh-CN" altLang="en-US"/>
-              <a:t>处理等</a:t>
-            </a:r>
-            <a:endParaRPr lang="zh-CN" altLang="en-US"/>
-          </a:p>
-          <a:p>
-            <a:pPr marL="0" lvl="1" indent="457200"/>
-            <a:r>
-              <a:rPr lang="en-US" altLang="zh-CN">
-                <a:sym typeface="+mn-ea"/>
-              </a:rPr>
-              <a:t>    </a:t>
-            </a:r>
-            <a:endParaRPr lang="zh-CN" altLang="en-US"/>
           </a:p>
         </p:txBody>
       </p:sp>
@@ -5134,7 +4960,7 @@
         </p:nvSpPr>
         <p:spPr>
           <a:xfrm>
-            <a:off x="255270" y="120015"/>
+            <a:off x="148590" y="0"/>
             <a:ext cx="10515600" cy="1325563"/>
           </a:xfrm>
         </p:spPr>
@@ -5143,11 +4969,7 @@
           <a:p>
             <a:r>
               <a:rPr lang="zh-CN" altLang="en-US"/>
-              <a:t>学习</a:t>
-            </a:r>
-            <a:r>
-              <a:rPr lang="zh-CN" altLang="en-US"/>
-              <a:t>资料</a:t>
+              <a:t>学习经验</a:t>
             </a:r>
             <a:endParaRPr lang="zh-CN" altLang="en-US"/>
           </a:p>
@@ -5155,14 +4977,14 @@
       </p:sp>
       <p:sp>
         <p:nvSpPr>
-          <p:cNvPr id="5" name="文本框 4"/>
+          <p:cNvPr id="4" name="文本框 3"/>
           <p:cNvSpPr txBox="1"/>
           <p:nvPr/>
         </p:nvSpPr>
         <p:spPr>
           <a:xfrm>
-            <a:off x="539115" y="1374140"/>
-            <a:ext cx="10634345" cy="1876425"/>
+            <a:off x="510540" y="1174115"/>
+            <a:ext cx="11120120" cy="5076190"/>
           </a:xfrm>
           <a:prstGeom prst="rect">
             <a:avLst/>
@@ -5170,87 +4992,559 @@
           <a:noFill/>
         </p:spPr>
         <p:txBody>
-          <a:bodyPr wrap="square" rtlCol="0" anchor="t">
-            <a:spAutoFit/>
+          <a:bodyPr wrap="square" rtlCol="0">
+            <a:noAutofit/>
           </a:bodyPr>
           <a:p>
-            <a:r>
-              <a:rPr kumimoji="1" lang="zh-CN" altLang="en-US" sz="2000" dirty="0">
-                <a:sym typeface="+mn-ea"/>
-                <a:hlinkClick r:id="rId1"/>
-              </a:rPr>
-              <a:t>拉不拉东</a:t>
-            </a:r>
-            <a:r>
-              <a:rPr kumimoji="1" lang="en-US" altLang="zh-CN" sz="2000" dirty="0">
-                <a:sym typeface="+mn-ea"/>
-              </a:rPr>
-              <a:t> </a:t>
-            </a:r>
-            <a:r>
-              <a:rPr kumimoji="1" lang="en-US" altLang="zh-CN" sz="1600" dirty="0">
-                <a:sym typeface="+mn-ea"/>
-              </a:rPr>
-              <a:t>https://labuladong.github.io/algo/di-ling-zh-bfe1b/xue-xi-sua-01220/</a:t>
-            </a:r>
-            <a:br>
-              <a:rPr kumimoji="1" lang="zh-CN" altLang="en-US" sz="2000" dirty="0">
-                <a:sym typeface="+mn-ea"/>
-              </a:rPr>
-            </a:br>
-            <a:br>
-              <a:rPr kumimoji="1" lang="zh-CN" altLang="en-US" sz="2000" dirty="0">
-                <a:sym typeface="+mn-ea"/>
-              </a:rPr>
-            </a:br>
-            <a:r>
-              <a:rPr kumimoji="1" lang="zh-CN" altLang="en-US" sz="2000" dirty="0">
-                <a:sym typeface="+mn-ea"/>
-              </a:rPr>
-              <a:t>《算法竞赛进阶</a:t>
-            </a:r>
-            <a:r>
-              <a:rPr kumimoji="1" lang="zh-CN" altLang="en-US" sz="2000" dirty="0">
-                <a:sym typeface="+mn-ea"/>
-              </a:rPr>
-              <a:t>指南》</a:t>
-            </a:r>
-            <a:br>
-              <a:rPr kumimoji="1" lang="zh-CN" altLang="en-US" sz="2000" dirty="0">
-                <a:sym typeface="+mn-ea"/>
-              </a:rPr>
-            </a:br>
-            <a:br>
-              <a:rPr kumimoji="1" lang="zh-CN" altLang="en-US" sz="2000" dirty="0">
-                <a:sym typeface="+mn-ea"/>
-              </a:rPr>
-            </a:br>
-            <a:r>
-              <a:rPr kumimoji="1" lang="zh-CN" altLang="en-US" sz="2000" dirty="0">
-                <a:sym typeface="+mn-ea"/>
-              </a:rPr>
-              <a:t>高质量题解：</a:t>
-            </a:r>
-            <a:r>
-              <a:rPr kumimoji="1" lang="en-US" altLang="zh-CN" sz="2000" dirty="0">
-                <a:sym typeface="+mn-ea"/>
-              </a:rPr>
-              <a:t> </a:t>
-            </a:r>
-            <a:br>
-              <a:rPr kumimoji="1" lang="en-US" altLang="zh-CN" sz="2000" dirty="0">
-                <a:sym typeface="+mn-ea"/>
-              </a:rPr>
-            </a:br>
-            <a:r>
-              <a:rPr kumimoji="1" lang="en-US" altLang="zh-CN" sz="1600" dirty="0">
-                <a:sym typeface="+mn-ea"/>
-              </a:rPr>
-              <a:t>https://github.com/wisdompeak/LeetCode</a:t>
-            </a:r>
-            <a:endParaRPr kumimoji="1" lang="en-US" altLang="zh-CN" sz="1600" dirty="0">
+            <a:pPr marL="0" lvl="1" indent="0"/>
+            <a:r>
+              <a:rPr lang="zh-CN" altLang="en-US"/>
+              <a:t>学习</a:t>
+            </a:r>
+            <a:r>
+              <a:rPr lang="zh-CN" altLang="en-US">
+                <a:solidFill>
+                  <a:srgbClr val="FF0000"/>
+                </a:solidFill>
+                <a:sym typeface="+mn-ea"/>
+              </a:rPr>
+              <a:t>效率</a:t>
+            </a:r>
+            <a:endParaRPr lang="zh-CN" altLang="en-US">
+              <a:solidFill>
+                <a:srgbClr val="FF0000"/>
+              </a:solidFill>
               <a:sym typeface="+mn-ea"/>
             </a:endParaRPr>
+          </a:p>
+          <a:p>
+            <a:pPr marL="0" lvl="1" indent="0"/>
+            <a:r>
+              <a:rPr lang="zh-CN" altLang="en-US">
+                <a:solidFill>
+                  <a:srgbClr val="FF0000"/>
+                </a:solidFill>
+                <a:sym typeface="+mn-ea"/>
+              </a:rPr>
+              <a:t> </a:t>
+            </a:r>
+            <a:r>
+              <a:rPr lang="en-US" altLang="zh-CN">
+                <a:solidFill>
+                  <a:srgbClr val="FF0000"/>
+                </a:solidFill>
+                <a:sym typeface="+mn-ea"/>
+              </a:rPr>
+              <a:t>   </a:t>
+            </a:r>
+            <a:r>
+              <a:rPr lang="zh-CN" altLang="en-US">
+                <a:solidFill>
+                  <a:srgbClr val="FF0000"/>
+                </a:solidFill>
+                <a:sym typeface="+mn-ea"/>
+              </a:rPr>
+              <a:t>优先保证自己的状态。状态</a:t>
+            </a:r>
+            <a:r>
+              <a:rPr lang="zh-CN" altLang="en-US">
+                <a:solidFill>
+                  <a:srgbClr val="FF0000"/>
+                </a:solidFill>
+                <a:sym typeface="+mn-ea"/>
+              </a:rPr>
+              <a:t>大于一切。想题</a:t>
+            </a:r>
+            <a:r>
+              <a:rPr lang="en-US" altLang="zh-CN">
+                <a:solidFill>
+                  <a:srgbClr val="FF0000"/>
+                </a:solidFill>
+                <a:sym typeface="+mn-ea"/>
+              </a:rPr>
+              <a:t>/</a:t>
+            </a:r>
+            <a:r>
+              <a:rPr lang="zh-CN" altLang="en-US">
+                <a:solidFill>
+                  <a:srgbClr val="FF0000"/>
+                </a:solidFill>
+                <a:sym typeface="+mn-ea"/>
+              </a:rPr>
+              <a:t>调试</a:t>
+            </a:r>
+            <a:endParaRPr lang="zh-CN" altLang="en-US">
+              <a:solidFill>
+                <a:srgbClr val="FF0000"/>
+              </a:solidFill>
+              <a:sym typeface="+mn-ea"/>
+            </a:endParaRPr>
+          </a:p>
+          <a:p>
+            <a:pPr marL="0" lvl="1" indent="457200"/>
+            <a:r>
+              <a:rPr lang="zh-CN" altLang="en-US">
+                <a:solidFill>
+                  <a:srgbClr val="FF0000"/>
+                </a:solidFill>
+                <a:sym typeface="+mn-ea"/>
+              </a:rPr>
+              <a:t>拒绝机械</a:t>
+            </a:r>
+            <a:r>
+              <a:rPr lang="zh-CN" altLang="en-US">
+                <a:solidFill>
+                  <a:srgbClr val="FF0000"/>
+                </a:solidFill>
+                <a:sym typeface="+mn-ea"/>
+              </a:rPr>
+              <a:t>式重复，</a:t>
+            </a:r>
+            <a:endParaRPr lang="zh-CN" altLang="en-US">
+              <a:solidFill>
+                <a:srgbClr val="FF0000"/>
+              </a:solidFill>
+              <a:sym typeface="+mn-ea"/>
+            </a:endParaRPr>
+          </a:p>
+          <a:p>
+            <a:pPr marL="0" lvl="1" indent="0"/>
+            <a:endParaRPr lang="zh-CN" altLang="en-US"/>
+          </a:p>
+          <a:p>
+            <a:pPr marL="0" lvl="1"/>
+            <a:r>
+              <a:rPr lang="zh-CN" altLang="en-US"/>
+              <a:t>学习</a:t>
+            </a:r>
+            <a:r>
+              <a:rPr lang="zh-CN" altLang="en-US"/>
+              <a:t>能力</a:t>
+            </a:r>
+            <a:endParaRPr lang="zh-CN" altLang="en-US"/>
+          </a:p>
+          <a:p>
+            <a:pPr lvl="2" indent="0"/>
+            <a:r>
+              <a:rPr lang="zh-CN" altLang="en-US"/>
+              <a:t>定时总结</a:t>
+            </a:r>
+            <a:r>
+              <a:rPr lang="en-US" altLang="zh-CN"/>
+              <a:t>学习经验</a:t>
+            </a:r>
+            <a:r>
+              <a:rPr lang="zh-CN" altLang="en-US"/>
+              <a:t>，及时制定和调整学习</a:t>
+            </a:r>
+            <a:r>
+              <a:rPr lang="en-US" altLang="zh-CN"/>
+              <a:t>计划</a:t>
+            </a:r>
+            <a:r>
+              <a:rPr lang="zh-CN" altLang="en-US"/>
+              <a:t>，</a:t>
+            </a:r>
+            <a:endParaRPr lang="zh-CN" altLang="en-US"/>
+          </a:p>
+          <a:p>
+            <a:pPr marL="0" lvl="2" indent="0"/>
+            <a:r>
+              <a:rPr lang="en-US" altLang="zh-CN">
+                <a:sym typeface="+mn-ea"/>
+              </a:rPr>
+              <a:t>        </a:t>
+            </a:r>
+            <a:r>
+              <a:rPr lang="zh-CN" altLang="en-US">
+                <a:sym typeface="+mn-ea"/>
+              </a:rPr>
+              <a:t>及时补足薄弱项；</a:t>
+            </a:r>
+            <a:r>
+              <a:rPr lang="en-US" altLang="zh-CN">
+                <a:sym typeface="+mn-ea"/>
+              </a:rPr>
+              <a:t>提高对基础知识的理解深度</a:t>
+            </a:r>
+            <a:endParaRPr lang="en-US" altLang="zh-CN"/>
+          </a:p>
+          <a:p>
+            <a:pPr marL="0" lvl="1" indent="457200"/>
+            <a:r>
+              <a:rPr lang="en-US" altLang="zh-CN">
+                <a:solidFill>
+                  <a:srgbClr val="FF0000"/>
+                </a:solidFill>
+                <a:sym typeface="+mn-ea"/>
+              </a:rPr>
+              <a:t>    </a:t>
+            </a:r>
+            <a:r>
+              <a:rPr lang="zh-CN" altLang="en-US">
+                <a:solidFill>
+                  <a:srgbClr val="FF0000"/>
+                </a:solidFill>
+                <a:sym typeface="+mn-ea"/>
+              </a:rPr>
+              <a:t>针对性做题，</a:t>
+            </a:r>
+            <a:r>
+              <a:rPr lang="en-US" altLang="zh-CN">
+                <a:sym typeface="+mn-ea"/>
+              </a:rPr>
+              <a:t>周期性</a:t>
+            </a:r>
+            <a:r>
+              <a:rPr lang="zh-CN" altLang="en-US">
+                <a:sym typeface="+mn-ea"/>
+              </a:rPr>
+              <a:t>地做</a:t>
+            </a:r>
+            <a:r>
+              <a:rPr lang="en-US" altLang="zh-CN">
+                <a:sym typeface="+mn-ea"/>
+              </a:rPr>
+              <a:t>错题集</a:t>
+            </a:r>
+            <a:r>
+              <a:rPr lang="en-US" altLang="zh-CN">
+                <a:sym typeface="+mn-ea"/>
+              </a:rPr>
+              <a:t>，</a:t>
+            </a:r>
+            <a:r>
+              <a:rPr lang="en-US" altLang="zh-CN">
+                <a:solidFill>
+                  <a:srgbClr val="FF0000"/>
+                </a:solidFill>
+                <a:sym typeface="+mn-ea"/>
+              </a:rPr>
+              <a:t>不能总是刷同样的题目</a:t>
+            </a:r>
+            <a:r>
+              <a:rPr lang="zh-CN" altLang="en-US">
+                <a:solidFill>
+                  <a:srgbClr val="FF0000"/>
+                </a:solidFill>
+                <a:sym typeface="+mn-ea"/>
+              </a:rPr>
+              <a:t>，</a:t>
+            </a:r>
+            <a:r>
+              <a:rPr lang="en-US" altLang="zh-CN">
+                <a:solidFill>
+                  <a:srgbClr val="FF0000"/>
+                </a:solidFill>
+                <a:sym typeface="+mn-ea"/>
+              </a:rPr>
+              <a:t>不然就是背题。</a:t>
+            </a:r>
+            <a:endParaRPr lang="en-US" altLang="zh-CN">
+              <a:solidFill>
+                <a:srgbClr val="FF0000"/>
+              </a:solidFill>
+              <a:sym typeface="+mn-ea"/>
+            </a:endParaRPr>
+          </a:p>
+          <a:p>
+            <a:pPr marL="0" lvl="2" indent="457200"/>
+            <a:r>
+              <a:rPr lang="en-US" altLang="zh-CN">
+                <a:sym typeface="+mn-ea"/>
+              </a:rPr>
+              <a:t>   </a:t>
+            </a:r>
+            <a:endParaRPr lang="en-US" altLang="zh-CN">
+              <a:solidFill>
+                <a:srgbClr val="FF0000"/>
+              </a:solidFill>
+              <a:sym typeface="+mn-ea"/>
+            </a:endParaRPr>
+          </a:p>
+          <a:p>
+            <a:pPr marL="0" lvl="0" indent="0"/>
+            <a:r>
+              <a:rPr lang="zh-CN" altLang="en-US">
+                <a:sym typeface="+mn-ea"/>
+              </a:rPr>
+              <a:t>算法能力  全排列模型</a:t>
+            </a:r>
+            <a:endParaRPr lang="zh-CN" altLang="en-US"/>
+          </a:p>
+          <a:p>
+            <a:pPr marL="914400" lvl="2" indent="457200"/>
+            <a:r>
+              <a:rPr lang="zh-CN" altLang="en-US">
+                <a:sym typeface="+mn-ea"/>
+              </a:rPr>
+              <a:t>  </a:t>
+            </a:r>
+            <a:r>
+              <a:rPr lang="en-US" altLang="zh-CN">
+                <a:sym typeface="+mn-ea"/>
+              </a:rPr>
+              <a:t>	</a:t>
+            </a:r>
+            <a:r>
+              <a:rPr lang="zh-CN" altLang="en-US">
+                <a:sym typeface="+mn-ea"/>
+              </a:rPr>
+              <a:t>排序模型</a:t>
+            </a:r>
+            <a:endParaRPr lang="zh-CN" altLang="en-US"/>
+          </a:p>
+          <a:p>
+            <a:pPr marL="914400" lvl="2" indent="457200"/>
+            <a:r>
+              <a:rPr lang="zh-CN" altLang="en-US">
+                <a:sym typeface="+mn-ea"/>
+              </a:rPr>
+              <a:t>  边界模型 二分 单调栈 TreeMap 优先堆 </a:t>
+            </a:r>
+            <a:endParaRPr lang="zh-CN" altLang="en-US"/>
+          </a:p>
+          <a:p>
+            <a:pPr marL="914400" lvl="2" indent="457200"/>
+            <a:r>
+              <a:rPr lang="zh-CN" altLang="en-US">
+                <a:sym typeface="+mn-ea"/>
+              </a:rPr>
+              <a:t>  搜索模型 dfs bfs 回溯</a:t>
+            </a:r>
+            <a:endParaRPr lang="zh-CN" altLang="en-US"/>
+          </a:p>
+          <a:p>
+            <a:pPr marL="0" lvl="2" indent="457200"/>
+            <a:r>
+              <a:rPr lang="zh-CN" altLang="en-US">
+                <a:sym typeface="+mn-ea"/>
+              </a:rPr>
+              <a:t> </a:t>
+            </a:r>
+            <a:r>
+              <a:rPr lang="en-US" altLang="zh-CN">
+                <a:sym typeface="+mn-ea"/>
+              </a:rPr>
+              <a:t> 	      DP</a:t>
+            </a:r>
+            <a:r>
+              <a:rPr lang="zh-CN" altLang="en-US">
+                <a:sym typeface="+mn-ea"/>
+              </a:rPr>
+              <a:t>模型：</a:t>
+            </a:r>
+            <a:r>
+              <a:rPr lang="en-US" altLang="zh-CN">
+                <a:sym typeface="+mn-ea"/>
+              </a:rPr>
+              <a:t>LIS</a:t>
+            </a:r>
+            <a:r>
+              <a:rPr lang="zh-CN" altLang="en-US">
+                <a:sym typeface="+mn-ea"/>
+              </a:rPr>
+              <a:t>，数位</a:t>
+            </a:r>
+            <a:r>
+              <a:rPr lang="en-US" altLang="zh-CN">
+                <a:sym typeface="+mn-ea"/>
+              </a:rPr>
+              <a:t> DP </a:t>
+            </a:r>
+            <a:r>
+              <a:rPr lang="zh-CN" altLang="en-US">
+                <a:sym typeface="+mn-ea"/>
+              </a:rPr>
+              <a:t>背包模型</a:t>
+            </a:r>
+            <a:endParaRPr lang="zh-CN" altLang="en-US">
+              <a:sym typeface="+mn-ea"/>
+            </a:endParaRPr>
+          </a:p>
+          <a:p>
+            <a:pPr marL="914400" lvl="4" indent="457200"/>
+            <a:r>
+              <a:rPr lang="zh-CN" altLang="en-US">
+                <a:sym typeface="+mn-ea"/>
+              </a:rPr>
+              <a:t> </a:t>
+            </a:r>
+            <a:r>
+              <a:rPr lang="en-US" altLang="zh-CN">
+                <a:sym typeface="+mn-ea"/>
+              </a:rPr>
+              <a:t> </a:t>
+            </a:r>
+            <a:r>
+              <a:rPr lang="zh-CN" altLang="en-US">
+                <a:sym typeface="+mn-ea"/>
+              </a:rPr>
+              <a:t>图模型</a:t>
+            </a:r>
+            <a:endParaRPr lang="zh-CN" altLang="en-US"/>
+          </a:p>
+          <a:p>
+            <a:pPr marL="914400" lvl="2" indent="457200"/>
+            <a:r>
+              <a:rPr lang="zh-CN" altLang="en-US">
+                <a:sym typeface="+mn-ea"/>
+              </a:rPr>
+              <a:t>  牢记具有代表性的时间复杂度的算法与数据结构</a:t>
+            </a:r>
+            <a:endParaRPr lang="zh-CN" altLang="en-US">
+              <a:sym typeface="+mn-ea"/>
+            </a:endParaRPr>
+          </a:p>
+          <a:p>
+            <a:pPr marL="0" lvl="1" indent="0"/>
+            <a:r>
+              <a:rPr lang="zh-CN" altLang="en-US">
+                <a:sym typeface="+mn-ea"/>
+              </a:rPr>
+              <a:t>编程能力：形成自己的解题框架</a:t>
+            </a:r>
+            <a:r>
+              <a:rPr lang="en-US" altLang="zh-CN">
+                <a:sym typeface="+mn-ea"/>
+              </a:rPr>
+              <a:t> </a:t>
+            </a:r>
+            <a:r>
+              <a:rPr lang="zh-CN" altLang="en-US">
+                <a:sym typeface="+mn-ea"/>
+              </a:rPr>
+              <a:t>大模拟</a:t>
+            </a:r>
+            <a:r>
+              <a:rPr lang="en-US" altLang="zh-CN">
+                <a:sym typeface="+mn-ea"/>
+              </a:rPr>
+              <a:t> </a:t>
+            </a:r>
+            <a:r>
+              <a:rPr lang="zh-CN" altLang="en-US">
+                <a:sym typeface="+mn-ea"/>
+              </a:rPr>
+              <a:t>算法框架，变量命名，</a:t>
+            </a:r>
+            <a:r>
+              <a:rPr lang="zh-CN" altLang="en-US">
+                <a:sym typeface="+mn-ea"/>
+              </a:rPr>
+              <a:t>细节，边界处理等。</a:t>
+            </a:r>
+            <a:endParaRPr lang="zh-CN" altLang="en-US">
+              <a:sym typeface="+mn-ea"/>
+            </a:endParaRPr>
+          </a:p>
+          <a:p>
+            <a:pPr marL="0" lvl="1" indent="0"/>
+            <a:r>
+              <a:rPr lang="zh-CN" altLang="en-US"/>
+              <a:t>计算力：代入</a:t>
+            </a:r>
+            <a:r>
+              <a:rPr lang="zh-CN" altLang="en-US"/>
+              <a:t>数据，心算或者笔算代码。</a:t>
+            </a:r>
+            <a:endParaRPr lang="zh-CN" altLang="en-US"/>
+          </a:p>
+          <a:p>
+            <a:pPr marL="457200" lvl="1" indent="457200"/>
+            <a:endParaRPr lang="zh-CN" altLang="en-US">
+              <a:sym typeface="+mn-ea"/>
+            </a:endParaRPr>
+          </a:p>
+          <a:p>
+            <a:pPr marL="914400" lvl="2" indent="457200"/>
+            <a:endParaRPr lang="zh-CN" altLang="en-US"/>
+          </a:p>
+          <a:p>
+            <a:pPr marL="457200" lvl="1" indent="457200"/>
+            <a:endParaRPr lang="zh-CN" altLang="en-US"/>
+          </a:p>
+          <a:p>
+            <a:pPr marL="0" lvl="1" indent="457200"/>
+            <a:r>
+              <a:rPr lang="en-US" altLang="zh-CN">
+                <a:sym typeface="+mn-ea"/>
+              </a:rPr>
+              <a:t>    </a:t>
+            </a:r>
+            <a:endParaRPr lang="zh-CN" altLang="en-US"/>
+          </a:p>
+        </p:txBody>
+      </p:sp>
+    </p:spTree>
+  </p:cSld>
+  <p:clrMapOvr>
+    <a:masterClrMapping/>
+  </p:clrMapOvr>
+</p:sld>
+</file>
+
+<file path=ppt/slides/slide6.xml><?xml version="1.0" encoding="utf-8"?>
+<p:sld xmlns:a="http://schemas.openxmlformats.org/drawingml/2006/main" xmlns:r="http://schemas.openxmlformats.org/officeDocument/2006/relationships" xmlns:p="http://schemas.openxmlformats.org/presentationml/2006/main">
+  <p:cSld>
+    <p:spTree>
+      <p:nvGrpSpPr>
+        <p:cNvPr id="1" name=""/>
+        <p:cNvGrpSpPr/>
+        <p:nvPr/>
+      </p:nvGrpSpPr>
+      <p:grpSpPr/>
+      <p:sp>
+        <p:nvSpPr>
+          <p:cNvPr id="2" name="标题 1"/>
+          <p:cNvSpPr>
+            <a:spLocks noGrp="1"/>
+          </p:cNvSpPr>
+          <p:nvPr>
+            <p:ph type="title"/>
+          </p:nvPr>
+        </p:nvSpPr>
+        <p:spPr/>
+        <p:txBody>
+          <a:bodyPr/>
+          <a:p>
+            <a:r>
+              <a:rPr lang="zh-CN" altLang="en-US"/>
+              <a:t>难度分</a:t>
+            </a:r>
+            <a:r>
+              <a:rPr lang="zh-CN" altLang="en-US"/>
+              <a:t>总结</a:t>
+            </a:r>
+            <a:endParaRPr lang="zh-CN" altLang="en-US"/>
+          </a:p>
+        </p:txBody>
+      </p:sp>
+      <p:sp>
+        <p:nvSpPr>
+          <p:cNvPr id="3" name="内容占位符 2"/>
+          <p:cNvSpPr>
+            <a:spLocks noGrp="1"/>
+          </p:cNvSpPr>
+          <p:nvPr>
+            <p:ph idx="1"/>
+          </p:nvPr>
+        </p:nvSpPr>
+        <p:spPr/>
+        <p:txBody>
+          <a:bodyPr/>
+          <a:p>
+            <a:r>
+              <a:rPr lang="en-US" altLang="zh-CN"/>
+              <a:t> 1400-1500</a:t>
+            </a:r>
+            <a:endParaRPr lang="en-US" altLang="zh-CN"/>
+          </a:p>
+          <a:p>
+            <a:pPr marL="0" indent="0">
+              <a:buNone/>
+            </a:pPr>
+            <a:endParaRPr lang="en-US" altLang="zh-CN"/>
           </a:p>
         </p:txBody>
       </p:sp>
